--- a/src/ppt/标图.pptx
+++ b/src/ppt/标图.pptx
@@ -10,6 +10,8 @@
     <p:sldId id="259" r:id="rId4"/>
     <p:sldId id="257" r:id="rId5"/>
     <p:sldId id="260" r:id="rId6"/>
+    <p:sldId id="262" r:id="rId7"/>
+    <p:sldId id="261" r:id="rId8"/>
   </p:sldIdLst>
   <p:sldSz cx="12192000" cy="6858000"/>
   <p:notesSz cx="6858000" cy="9144000"/>
@@ -34145,7 +34147,7 @@
         </p:blipFill>
         <p:spPr bwMode="auto">
           <a:xfrm>
-            <a:off x="2660303" y="189543"/>
+            <a:off x="2647777" y="381946"/>
             <a:ext cx="6572250" cy="1724025"/>
           </a:xfrm>
           <a:prstGeom prst="rect">
@@ -35543,7 +35545,7 @@
         </p:nvCxnSpPr>
         <p:spPr>
           <a:xfrm flipH="1" flipV="1">
-            <a:off x="4516173" y="4069633"/>
+            <a:off x="4381230" y="3795944"/>
             <a:ext cx="45952" cy="191687"/>
           </a:xfrm>
           <a:prstGeom prst="line">
@@ -35587,7 +35589,7 @@
         </p:nvCxnSpPr>
         <p:spPr>
           <a:xfrm rot="10800000" flipH="1" flipV="1">
-            <a:off x="4003892" y="4064424"/>
+            <a:off x="3868949" y="3790735"/>
             <a:ext cx="511082" cy="0"/>
           </a:xfrm>
           <a:prstGeom prst="line">
@@ -35631,7 +35633,7 @@
         </p:nvCxnSpPr>
         <p:spPr>
           <a:xfrm flipH="1" flipV="1">
-            <a:off x="4514974" y="4074842"/>
+            <a:off x="4380031" y="3801153"/>
             <a:ext cx="44357" cy="181269"/>
           </a:xfrm>
           <a:prstGeom prst="line">
@@ -35675,7 +35677,7 @@
         </p:nvCxnSpPr>
         <p:spPr>
           <a:xfrm flipV="1">
-            <a:off x="4775819" y="4074842"/>
+            <a:off x="4640876" y="3801153"/>
             <a:ext cx="44357" cy="181269"/>
           </a:xfrm>
           <a:prstGeom prst="line">
@@ -35719,7 +35721,7 @@
         </p:nvCxnSpPr>
         <p:spPr>
           <a:xfrm flipH="1" flipV="1">
-            <a:off x="5137551" y="4074842"/>
+            <a:off x="5002608" y="3801153"/>
             <a:ext cx="1" cy="181271"/>
           </a:xfrm>
           <a:prstGeom prst="line">
@@ -35763,7 +35765,7 @@
         </p:nvCxnSpPr>
         <p:spPr>
           <a:xfrm flipV="1">
-            <a:off x="7359183" y="4074842"/>
+            <a:off x="7224240" y="3801153"/>
             <a:ext cx="44357" cy="181269"/>
           </a:xfrm>
           <a:prstGeom prst="line">
@@ -35807,7 +35809,7 @@
         </p:nvCxnSpPr>
         <p:spPr>
           <a:xfrm>
-            <a:off x="4820174" y="4064424"/>
+            <a:off x="4045098" y="3460864"/>
             <a:ext cx="3263376" cy="0"/>
           </a:xfrm>
           <a:prstGeom prst="line">
@@ -35851,7 +35853,7 @@
         </p:nvCxnSpPr>
         <p:spPr>
           <a:xfrm>
-            <a:off x="4562123" y="4263599"/>
+            <a:off x="4586331" y="3189130"/>
             <a:ext cx="2797060" cy="0"/>
           </a:xfrm>
           <a:prstGeom prst="line">
@@ -35895,7 +35897,7 @@
         </p:nvCxnSpPr>
         <p:spPr>
           <a:xfrm flipH="1" flipV="1">
-            <a:off x="5454927" y="4074842"/>
+            <a:off x="5319984" y="3801153"/>
             <a:ext cx="1" cy="181271"/>
           </a:xfrm>
           <a:prstGeom prst="line">
@@ -35939,7 +35941,7 @@
         </p:nvCxnSpPr>
         <p:spPr>
           <a:xfrm flipH="1" flipV="1">
-            <a:off x="5772303" y="4074842"/>
+            <a:off x="5637360" y="3801153"/>
             <a:ext cx="1" cy="181271"/>
           </a:xfrm>
           <a:prstGeom prst="line">
@@ -35983,7 +35985,7 @@
         </p:nvCxnSpPr>
         <p:spPr>
           <a:xfrm flipH="1" flipV="1">
-            <a:off x="6089679" y="4074842"/>
+            <a:off x="5954736" y="3801153"/>
             <a:ext cx="1" cy="181271"/>
           </a:xfrm>
           <a:prstGeom prst="line">
@@ -36027,7 +36029,7 @@
         </p:nvCxnSpPr>
         <p:spPr>
           <a:xfrm flipH="1" flipV="1">
-            <a:off x="6407055" y="4074842"/>
+            <a:off x="6272112" y="3801153"/>
             <a:ext cx="1" cy="181271"/>
           </a:xfrm>
           <a:prstGeom prst="line">
@@ -36071,7 +36073,7 @@
         </p:nvCxnSpPr>
         <p:spPr>
           <a:xfrm flipH="1" flipV="1">
-            <a:off x="6724431" y="4074842"/>
+            <a:off x="6589488" y="3801153"/>
             <a:ext cx="1" cy="181271"/>
           </a:xfrm>
           <a:prstGeom prst="line">
@@ -36114,14 +36116,14 @@
           <p:nvPr/>
         </p:nvCxnSpPr>
         <p:spPr>
-          <a:xfrm flipH="1" flipV="1">
-            <a:off x="7041807" y="4074842"/>
-            <a:ext cx="1" cy="181271"/>
+          <a:xfrm flipV="1">
+            <a:off x="3953145" y="5233672"/>
+            <a:ext cx="0" cy="241828"/>
           </a:xfrm>
           <a:prstGeom prst="line">
             <a:avLst/>
           </a:prstGeom>
-          <a:ln w="15875" cap="rnd">
+          <a:ln w="3175" cap="rnd">
             <a:solidFill>
               <a:schemeClr val="tx1"/>
             </a:solidFill>
@@ -36143,12 +36145,1161 @@
           </a:fontRef>
         </p:style>
       </p:cxnSp>
+      <p:grpSp>
+        <p:nvGrpSpPr>
+          <p:cNvPr id="308" name="组合 307">
+            <a:extLst>
+              <a:ext uri="{FF2B5EF4-FFF2-40B4-BE49-F238E27FC236}">
+                <a16:creationId xmlns:a16="http://schemas.microsoft.com/office/drawing/2014/main" id="{C1D685C1-D9C5-4DD1-B4C1-55082BC4491A}"/>
+              </a:ext>
+            </a:extLst>
+          </p:cNvPr>
+          <p:cNvGrpSpPr/>
+          <p:nvPr/>
+        </p:nvGrpSpPr>
+        <p:grpSpPr>
+          <a:xfrm>
+            <a:off x="4169928" y="4873895"/>
+            <a:ext cx="3367636" cy="169018"/>
+            <a:chOff x="4375731" y="4347398"/>
+            <a:chExt cx="2567209" cy="181265"/>
+          </a:xfrm>
+        </p:grpSpPr>
+        <p:sp>
+          <p:nvSpPr>
+            <p:cNvPr id="213" name="任意多边形: 形状 212">
+              <a:extLst>
+                <a:ext uri="{FF2B5EF4-FFF2-40B4-BE49-F238E27FC236}">
+                  <a16:creationId xmlns:a16="http://schemas.microsoft.com/office/drawing/2014/main" id="{CA25A63C-3533-4146-97D3-B8CDE9DFAFB8}"/>
+                </a:ext>
+              </a:extLst>
+            </p:cNvPr>
+            <p:cNvSpPr/>
+            <p:nvPr/>
+          </p:nvSpPr>
+          <p:spPr>
+            <a:xfrm rot="16200000">
+              <a:off x="4444576" y="4278553"/>
+              <a:ext cx="181265" cy="318956"/>
+            </a:xfrm>
+            <a:custGeom>
+              <a:avLst/>
+              <a:gdLst>
+                <a:gd name="connsiteX0" fmla="*/ 1095375 w 1095375"/>
+                <a:gd name="connsiteY0" fmla="*/ 219075 h 2190750"/>
+                <a:gd name="connsiteX1" fmla="*/ 1095375 w 1095375"/>
+                <a:gd name="connsiteY1" fmla="*/ 1095375 h 2190750"/>
+                <a:gd name="connsiteX2" fmla="*/ 1095375 w 1095375"/>
+                <a:gd name="connsiteY2" fmla="*/ 1971675 h 2190750"/>
+                <a:gd name="connsiteX3" fmla="*/ 547688 w 1095375"/>
+                <a:gd name="connsiteY3" fmla="*/ 2190750 h 2190750"/>
+                <a:gd name="connsiteX4" fmla="*/ 0 w 1095375"/>
+                <a:gd name="connsiteY4" fmla="*/ 1971675 h 2190750"/>
+                <a:gd name="connsiteX5" fmla="*/ 0 w 1095375"/>
+                <a:gd name="connsiteY5" fmla="*/ 1095375 h 2190750"/>
+                <a:gd name="connsiteX6" fmla="*/ 0 w 1095375"/>
+                <a:gd name="connsiteY6" fmla="*/ 219075 h 2190750"/>
+                <a:gd name="connsiteX7" fmla="*/ 547688 w 1095375"/>
+                <a:gd name="connsiteY7" fmla="*/ 0 h 2190750"/>
+              </a:gdLst>
+              <a:ahLst/>
+              <a:cxnLst>
+                <a:cxn ang="0">
+                  <a:pos x="connsiteX0" y="connsiteY0"/>
+                </a:cxn>
+                <a:cxn ang="0">
+                  <a:pos x="connsiteX1" y="connsiteY1"/>
+                </a:cxn>
+                <a:cxn ang="0">
+                  <a:pos x="connsiteX2" y="connsiteY2"/>
+                </a:cxn>
+                <a:cxn ang="0">
+                  <a:pos x="connsiteX3" y="connsiteY3"/>
+                </a:cxn>
+                <a:cxn ang="0">
+                  <a:pos x="connsiteX4" y="connsiteY4"/>
+                </a:cxn>
+                <a:cxn ang="0">
+                  <a:pos x="connsiteX5" y="connsiteY5"/>
+                </a:cxn>
+                <a:cxn ang="0">
+                  <a:pos x="connsiteX6" y="connsiteY6"/>
+                </a:cxn>
+                <a:cxn ang="0">
+                  <a:pos x="connsiteX7" y="connsiteY7"/>
+                </a:cxn>
+              </a:cxnLst>
+              <a:rect l="l" t="t" r="r" b="b"/>
+              <a:pathLst>
+                <a:path w="1095375" h="2190750">
+                  <a:moveTo>
+                    <a:pt x="1095375" y="219075"/>
+                  </a:moveTo>
+                  <a:lnTo>
+                    <a:pt x="1095375" y="1095375"/>
+                  </a:lnTo>
+                  <a:lnTo>
+                    <a:pt x="1095375" y="1971675"/>
+                  </a:lnTo>
+                  <a:lnTo>
+                    <a:pt x="547688" y="2190750"/>
+                  </a:lnTo>
+                  <a:lnTo>
+                    <a:pt x="0" y="1971675"/>
+                  </a:lnTo>
+                  <a:lnTo>
+                    <a:pt x="0" y="1095375"/>
+                  </a:lnTo>
+                  <a:lnTo>
+                    <a:pt x="0" y="219075"/>
+                  </a:lnTo>
+                  <a:lnTo>
+                    <a:pt x="547688" y="0"/>
+                  </a:lnTo>
+                  <a:close/>
+                </a:path>
+              </a:pathLst>
+            </a:custGeom>
+            <a:noFill/>
+            <a:ln>
+              <a:noFill/>
+            </a:ln>
+          </p:spPr>
+          <p:style>
+            <a:lnRef idx="2">
+              <a:schemeClr val="accent1">
+                <a:shade val="50000"/>
+              </a:schemeClr>
+            </a:lnRef>
+            <a:fillRef idx="1">
+              <a:schemeClr val="accent1"/>
+            </a:fillRef>
+            <a:effectRef idx="0">
+              <a:schemeClr val="accent1"/>
+            </a:effectRef>
+            <a:fontRef idx="minor">
+              <a:schemeClr val="lt1"/>
+            </a:fontRef>
+          </p:style>
+          <p:txBody>
+            <a:bodyPr vert="eaVert" lIns="0" tIns="0" rIns="0" bIns="0" rtlCol="0" anchor="ctr"/>
+            <a:lstStyle/>
+            <a:p>
+              <a:pPr algn="ctr"/>
+              <a:r>
+                <a:rPr lang="en-US" altLang="zh-CN" sz="900">
+                  <a:solidFill>
+                    <a:schemeClr val="tx1"/>
+                  </a:solidFill>
+                  <a:latin typeface="Consolas" panose="020B0609020204030204" pitchFamily="49" charset="0"/>
+                  <a:cs typeface="Consolas" panose="020B0609020204030204" pitchFamily="49" charset="0"/>
+                </a:rPr>
+                <a:t>bit1</a:t>
+              </a:r>
+              <a:endParaRPr lang="zh-CN" altLang="en-US" sz="900">
+                <a:solidFill>
+                  <a:schemeClr val="tx1"/>
+                </a:solidFill>
+                <a:latin typeface="Consolas" panose="020B0609020204030204" pitchFamily="49" charset="0"/>
+                <a:cs typeface="Consolas" panose="020B0609020204030204" pitchFamily="49" charset="0"/>
+              </a:endParaRPr>
+            </a:p>
+          </p:txBody>
+        </p:sp>
+        <p:sp>
+          <p:nvSpPr>
+            <p:cNvPr id="214" name="任意多边形: 形状 213">
+              <a:extLst>
+                <a:ext uri="{FF2B5EF4-FFF2-40B4-BE49-F238E27FC236}">
+                  <a16:creationId xmlns:a16="http://schemas.microsoft.com/office/drawing/2014/main" id="{DCEF85BB-5696-43EE-9820-11A70B0E8646}"/>
+                </a:ext>
+              </a:extLst>
+            </p:cNvPr>
+            <p:cNvSpPr/>
+            <p:nvPr/>
+          </p:nvSpPr>
+          <p:spPr>
+            <a:xfrm rot="16200000">
+              <a:off x="4765755" y="4278553"/>
+              <a:ext cx="181265" cy="318956"/>
+            </a:xfrm>
+            <a:custGeom>
+              <a:avLst/>
+              <a:gdLst>
+                <a:gd name="connsiteX0" fmla="*/ 1095375 w 1095375"/>
+                <a:gd name="connsiteY0" fmla="*/ 219075 h 2190750"/>
+                <a:gd name="connsiteX1" fmla="*/ 1095375 w 1095375"/>
+                <a:gd name="connsiteY1" fmla="*/ 1095375 h 2190750"/>
+                <a:gd name="connsiteX2" fmla="*/ 1095375 w 1095375"/>
+                <a:gd name="connsiteY2" fmla="*/ 1971675 h 2190750"/>
+                <a:gd name="connsiteX3" fmla="*/ 547688 w 1095375"/>
+                <a:gd name="connsiteY3" fmla="*/ 2190750 h 2190750"/>
+                <a:gd name="connsiteX4" fmla="*/ 0 w 1095375"/>
+                <a:gd name="connsiteY4" fmla="*/ 1971675 h 2190750"/>
+                <a:gd name="connsiteX5" fmla="*/ 0 w 1095375"/>
+                <a:gd name="connsiteY5" fmla="*/ 1095375 h 2190750"/>
+                <a:gd name="connsiteX6" fmla="*/ 0 w 1095375"/>
+                <a:gd name="connsiteY6" fmla="*/ 219075 h 2190750"/>
+                <a:gd name="connsiteX7" fmla="*/ 547688 w 1095375"/>
+                <a:gd name="connsiteY7" fmla="*/ 0 h 2190750"/>
+              </a:gdLst>
+              <a:ahLst/>
+              <a:cxnLst>
+                <a:cxn ang="0">
+                  <a:pos x="connsiteX0" y="connsiteY0"/>
+                </a:cxn>
+                <a:cxn ang="0">
+                  <a:pos x="connsiteX1" y="connsiteY1"/>
+                </a:cxn>
+                <a:cxn ang="0">
+                  <a:pos x="connsiteX2" y="connsiteY2"/>
+                </a:cxn>
+                <a:cxn ang="0">
+                  <a:pos x="connsiteX3" y="connsiteY3"/>
+                </a:cxn>
+                <a:cxn ang="0">
+                  <a:pos x="connsiteX4" y="connsiteY4"/>
+                </a:cxn>
+                <a:cxn ang="0">
+                  <a:pos x="connsiteX5" y="connsiteY5"/>
+                </a:cxn>
+                <a:cxn ang="0">
+                  <a:pos x="connsiteX6" y="connsiteY6"/>
+                </a:cxn>
+                <a:cxn ang="0">
+                  <a:pos x="connsiteX7" y="connsiteY7"/>
+                </a:cxn>
+              </a:cxnLst>
+              <a:rect l="l" t="t" r="r" b="b"/>
+              <a:pathLst>
+                <a:path w="1095375" h="2190750">
+                  <a:moveTo>
+                    <a:pt x="1095375" y="219075"/>
+                  </a:moveTo>
+                  <a:lnTo>
+                    <a:pt x="1095375" y="1095375"/>
+                  </a:lnTo>
+                  <a:lnTo>
+                    <a:pt x="1095375" y="1971675"/>
+                  </a:lnTo>
+                  <a:lnTo>
+                    <a:pt x="547688" y="2190750"/>
+                  </a:lnTo>
+                  <a:lnTo>
+                    <a:pt x="0" y="1971675"/>
+                  </a:lnTo>
+                  <a:lnTo>
+                    <a:pt x="0" y="1095375"/>
+                  </a:lnTo>
+                  <a:lnTo>
+                    <a:pt x="0" y="219075"/>
+                  </a:lnTo>
+                  <a:lnTo>
+                    <a:pt x="547688" y="0"/>
+                  </a:lnTo>
+                  <a:close/>
+                </a:path>
+              </a:pathLst>
+            </a:custGeom>
+            <a:noFill/>
+            <a:ln>
+              <a:noFill/>
+            </a:ln>
+          </p:spPr>
+          <p:style>
+            <a:lnRef idx="2">
+              <a:schemeClr val="accent1">
+                <a:shade val="50000"/>
+              </a:schemeClr>
+            </a:lnRef>
+            <a:fillRef idx="1">
+              <a:schemeClr val="accent1"/>
+            </a:fillRef>
+            <a:effectRef idx="0">
+              <a:schemeClr val="accent1"/>
+            </a:effectRef>
+            <a:fontRef idx="minor">
+              <a:schemeClr val="lt1"/>
+            </a:fontRef>
+          </p:style>
+          <p:txBody>
+            <a:bodyPr vert="eaVert" lIns="0" tIns="0" rIns="0" bIns="0" rtlCol="0" anchor="ctr"/>
+            <a:lstStyle/>
+            <a:p>
+              <a:pPr algn="ctr"/>
+              <a:r>
+                <a:rPr lang="en-US" altLang="zh-CN" sz="900">
+                  <a:solidFill>
+                    <a:schemeClr val="tx1"/>
+                  </a:solidFill>
+                  <a:latin typeface="Consolas" panose="020B0609020204030204" pitchFamily="49" charset="0"/>
+                  <a:cs typeface="Consolas" panose="020B0609020204030204" pitchFamily="49" charset="0"/>
+                </a:rPr>
+                <a:t>bit2</a:t>
+              </a:r>
+              <a:endParaRPr lang="zh-CN" altLang="en-US" sz="900">
+                <a:solidFill>
+                  <a:schemeClr val="tx1"/>
+                </a:solidFill>
+                <a:latin typeface="Consolas" panose="020B0609020204030204" pitchFamily="49" charset="0"/>
+                <a:cs typeface="Consolas" panose="020B0609020204030204" pitchFamily="49" charset="0"/>
+              </a:endParaRPr>
+            </a:p>
+          </p:txBody>
+        </p:sp>
+        <p:sp>
+          <p:nvSpPr>
+            <p:cNvPr id="215" name="任意多边形: 形状 214">
+              <a:extLst>
+                <a:ext uri="{FF2B5EF4-FFF2-40B4-BE49-F238E27FC236}">
+                  <a16:creationId xmlns:a16="http://schemas.microsoft.com/office/drawing/2014/main" id="{A0B12B06-691F-4C25-B99D-1739A1DAAFC0}"/>
+                </a:ext>
+              </a:extLst>
+            </p:cNvPr>
+            <p:cNvSpPr/>
+            <p:nvPr/>
+          </p:nvSpPr>
+          <p:spPr>
+            <a:xfrm rot="16200000">
+              <a:off x="5086934" y="4278553"/>
+              <a:ext cx="181265" cy="318956"/>
+            </a:xfrm>
+            <a:custGeom>
+              <a:avLst/>
+              <a:gdLst>
+                <a:gd name="connsiteX0" fmla="*/ 1095375 w 1095375"/>
+                <a:gd name="connsiteY0" fmla="*/ 219075 h 2190750"/>
+                <a:gd name="connsiteX1" fmla="*/ 1095375 w 1095375"/>
+                <a:gd name="connsiteY1" fmla="*/ 1095375 h 2190750"/>
+                <a:gd name="connsiteX2" fmla="*/ 1095375 w 1095375"/>
+                <a:gd name="connsiteY2" fmla="*/ 1971675 h 2190750"/>
+                <a:gd name="connsiteX3" fmla="*/ 547688 w 1095375"/>
+                <a:gd name="connsiteY3" fmla="*/ 2190750 h 2190750"/>
+                <a:gd name="connsiteX4" fmla="*/ 0 w 1095375"/>
+                <a:gd name="connsiteY4" fmla="*/ 1971675 h 2190750"/>
+                <a:gd name="connsiteX5" fmla="*/ 0 w 1095375"/>
+                <a:gd name="connsiteY5" fmla="*/ 1095375 h 2190750"/>
+                <a:gd name="connsiteX6" fmla="*/ 0 w 1095375"/>
+                <a:gd name="connsiteY6" fmla="*/ 219075 h 2190750"/>
+                <a:gd name="connsiteX7" fmla="*/ 547688 w 1095375"/>
+                <a:gd name="connsiteY7" fmla="*/ 0 h 2190750"/>
+              </a:gdLst>
+              <a:ahLst/>
+              <a:cxnLst>
+                <a:cxn ang="0">
+                  <a:pos x="connsiteX0" y="connsiteY0"/>
+                </a:cxn>
+                <a:cxn ang="0">
+                  <a:pos x="connsiteX1" y="connsiteY1"/>
+                </a:cxn>
+                <a:cxn ang="0">
+                  <a:pos x="connsiteX2" y="connsiteY2"/>
+                </a:cxn>
+                <a:cxn ang="0">
+                  <a:pos x="connsiteX3" y="connsiteY3"/>
+                </a:cxn>
+                <a:cxn ang="0">
+                  <a:pos x="connsiteX4" y="connsiteY4"/>
+                </a:cxn>
+                <a:cxn ang="0">
+                  <a:pos x="connsiteX5" y="connsiteY5"/>
+                </a:cxn>
+                <a:cxn ang="0">
+                  <a:pos x="connsiteX6" y="connsiteY6"/>
+                </a:cxn>
+                <a:cxn ang="0">
+                  <a:pos x="connsiteX7" y="connsiteY7"/>
+                </a:cxn>
+              </a:cxnLst>
+              <a:rect l="l" t="t" r="r" b="b"/>
+              <a:pathLst>
+                <a:path w="1095375" h="2190750">
+                  <a:moveTo>
+                    <a:pt x="1095375" y="219075"/>
+                  </a:moveTo>
+                  <a:lnTo>
+                    <a:pt x="1095375" y="1095375"/>
+                  </a:lnTo>
+                  <a:lnTo>
+                    <a:pt x="1095375" y="1971675"/>
+                  </a:lnTo>
+                  <a:lnTo>
+                    <a:pt x="547688" y="2190750"/>
+                  </a:lnTo>
+                  <a:lnTo>
+                    <a:pt x="0" y="1971675"/>
+                  </a:lnTo>
+                  <a:lnTo>
+                    <a:pt x="0" y="1095375"/>
+                  </a:lnTo>
+                  <a:lnTo>
+                    <a:pt x="0" y="219075"/>
+                  </a:lnTo>
+                  <a:lnTo>
+                    <a:pt x="547688" y="0"/>
+                  </a:lnTo>
+                  <a:close/>
+                </a:path>
+              </a:pathLst>
+            </a:custGeom>
+            <a:noFill/>
+            <a:ln>
+              <a:noFill/>
+            </a:ln>
+          </p:spPr>
+          <p:style>
+            <a:lnRef idx="2">
+              <a:schemeClr val="accent1">
+                <a:shade val="50000"/>
+              </a:schemeClr>
+            </a:lnRef>
+            <a:fillRef idx="1">
+              <a:schemeClr val="accent1"/>
+            </a:fillRef>
+            <a:effectRef idx="0">
+              <a:schemeClr val="accent1"/>
+            </a:effectRef>
+            <a:fontRef idx="minor">
+              <a:schemeClr val="lt1"/>
+            </a:fontRef>
+          </p:style>
+          <p:txBody>
+            <a:bodyPr vert="eaVert" lIns="0" tIns="0" rIns="0" bIns="0" rtlCol="0" anchor="ctr"/>
+            <a:lstStyle/>
+            <a:p>
+              <a:pPr algn="ctr"/>
+              <a:r>
+                <a:rPr lang="en-US" altLang="zh-CN" sz="900">
+                  <a:solidFill>
+                    <a:schemeClr val="tx1"/>
+                  </a:solidFill>
+                  <a:latin typeface="Consolas" panose="020B0609020204030204" pitchFamily="49" charset="0"/>
+                  <a:cs typeface="Consolas" panose="020B0609020204030204" pitchFamily="49" charset="0"/>
+                </a:rPr>
+                <a:t>bit3</a:t>
+              </a:r>
+              <a:endParaRPr lang="zh-CN" altLang="en-US" sz="900">
+                <a:solidFill>
+                  <a:schemeClr val="tx1"/>
+                </a:solidFill>
+                <a:latin typeface="Consolas" panose="020B0609020204030204" pitchFamily="49" charset="0"/>
+                <a:cs typeface="Consolas" panose="020B0609020204030204" pitchFamily="49" charset="0"/>
+              </a:endParaRPr>
+            </a:p>
+          </p:txBody>
+        </p:sp>
+        <p:sp>
+          <p:nvSpPr>
+            <p:cNvPr id="216" name="任意多边形: 形状 215">
+              <a:extLst>
+                <a:ext uri="{FF2B5EF4-FFF2-40B4-BE49-F238E27FC236}">
+                  <a16:creationId xmlns:a16="http://schemas.microsoft.com/office/drawing/2014/main" id="{DE84D06B-075F-4A07-A8EA-0446BAEDFF41}"/>
+                </a:ext>
+              </a:extLst>
+            </p:cNvPr>
+            <p:cNvSpPr/>
+            <p:nvPr/>
+          </p:nvSpPr>
+          <p:spPr>
+            <a:xfrm rot="16200000">
+              <a:off x="5408113" y="4278553"/>
+              <a:ext cx="181265" cy="318956"/>
+            </a:xfrm>
+            <a:custGeom>
+              <a:avLst/>
+              <a:gdLst>
+                <a:gd name="connsiteX0" fmla="*/ 1095375 w 1095375"/>
+                <a:gd name="connsiteY0" fmla="*/ 219075 h 2190750"/>
+                <a:gd name="connsiteX1" fmla="*/ 1095375 w 1095375"/>
+                <a:gd name="connsiteY1" fmla="*/ 1095375 h 2190750"/>
+                <a:gd name="connsiteX2" fmla="*/ 1095375 w 1095375"/>
+                <a:gd name="connsiteY2" fmla="*/ 1971675 h 2190750"/>
+                <a:gd name="connsiteX3" fmla="*/ 547688 w 1095375"/>
+                <a:gd name="connsiteY3" fmla="*/ 2190750 h 2190750"/>
+                <a:gd name="connsiteX4" fmla="*/ 0 w 1095375"/>
+                <a:gd name="connsiteY4" fmla="*/ 1971675 h 2190750"/>
+                <a:gd name="connsiteX5" fmla="*/ 0 w 1095375"/>
+                <a:gd name="connsiteY5" fmla="*/ 1095375 h 2190750"/>
+                <a:gd name="connsiteX6" fmla="*/ 0 w 1095375"/>
+                <a:gd name="connsiteY6" fmla="*/ 219075 h 2190750"/>
+                <a:gd name="connsiteX7" fmla="*/ 547688 w 1095375"/>
+                <a:gd name="connsiteY7" fmla="*/ 0 h 2190750"/>
+              </a:gdLst>
+              <a:ahLst/>
+              <a:cxnLst>
+                <a:cxn ang="0">
+                  <a:pos x="connsiteX0" y="connsiteY0"/>
+                </a:cxn>
+                <a:cxn ang="0">
+                  <a:pos x="connsiteX1" y="connsiteY1"/>
+                </a:cxn>
+                <a:cxn ang="0">
+                  <a:pos x="connsiteX2" y="connsiteY2"/>
+                </a:cxn>
+                <a:cxn ang="0">
+                  <a:pos x="connsiteX3" y="connsiteY3"/>
+                </a:cxn>
+                <a:cxn ang="0">
+                  <a:pos x="connsiteX4" y="connsiteY4"/>
+                </a:cxn>
+                <a:cxn ang="0">
+                  <a:pos x="connsiteX5" y="connsiteY5"/>
+                </a:cxn>
+                <a:cxn ang="0">
+                  <a:pos x="connsiteX6" y="connsiteY6"/>
+                </a:cxn>
+                <a:cxn ang="0">
+                  <a:pos x="connsiteX7" y="connsiteY7"/>
+                </a:cxn>
+              </a:cxnLst>
+              <a:rect l="l" t="t" r="r" b="b"/>
+              <a:pathLst>
+                <a:path w="1095375" h="2190750">
+                  <a:moveTo>
+                    <a:pt x="1095375" y="219075"/>
+                  </a:moveTo>
+                  <a:lnTo>
+                    <a:pt x="1095375" y="1095375"/>
+                  </a:lnTo>
+                  <a:lnTo>
+                    <a:pt x="1095375" y="1971675"/>
+                  </a:lnTo>
+                  <a:lnTo>
+                    <a:pt x="547688" y="2190750"/>
+                  </a:lnTo>
+                  <a:lnTo>
+                    <a:pt x="0" y="1971675"/>
+                  </a:lnTo>
+                  <a:lnTo>
+                    <a:pt x="0" y="1095375"/>
+                  </a:lnTo>
+                  <a:lnTo>
+                    <a:pt x="0" y="219075"/>
+                  </a:lnTo>
+                  <a:lnTo>
+                    <a:pt x="547688" y="0"/>
+                  </a:lnTo>
+                  <a:close/>
+                </a:path>
+              </a:pathLst>
+            </a:custGeom>
+            <a:noFill/>
+            <a:ln>
+              <a:noFill/>
+            </a:ln>
+          </p:spPr>
+          <p:style>
+            <a:lnRef idx="2">
+              <a:schemeClr val="accent1">
+                <a:shade val="50000"/>
+              </a:schemeClr>
+            </a:lnRef>
+            <a:fillRef idx="1">
+              <a:schemeClr val="accent1"/>
+            </a:fillRef>
+            <a:effectRef idx="0">
+              <a:schemeClr val="accent1"/>
+            </a:effectRef>
+            <a:fontRef idx="minor">
+              <a:schemeClr val="lt1"/>
+            </a:fontRef>
+          </p:style>
+          <p:txBody>
+            <a:bodyPr vert="eaVert" lIns="0" tIns="0" rIns="0" bIns="0" rtlCol="0" anchor="ctr"/>
+            <a:lstStyle/>
+            <a:p>
+              <a:pPr algn="ctr"/>
+              <a:r>
+                <a:rPr lang="en-US" altLang="zh-CN" sz="900">
+                  <a:solidFill>
+                    <a:schemeClr val="tx1"/>
+                  </a:solidFill>
+                  <a:latin typeface="Consolas" panose="020B0609020204030204" pitchFamily="49" charset="0"/>
+                  <a:cs typeface="Consolas" panose="020B0609020204030204" pitchFamily="49" charset="0"/>
+                </a:rPr>
+                <a:t>bit4</a:t>
+              </a:r>
+              <a:endParaRPr lang="zh-CN" altLang="en-US" sz="900">
+                <a:solidFill>
+                  <a:schemeClr val="tx1"/>
+                </a:solidFill>
+                <a:latin typeface="Consolas" panose="020B0609020204030204" pitchFamily="49" charset="0"/>
+                <a:cs typeface="Consolas" panose="020B0609020204030204" pitchFamily="49" charset="0"/>
+              </a:endParaRPr>
+            </a:p>
+          </p:txBody>
+        </p:sp>
+        <p:sp>
+          <p:nvSpPr>
+            <p:cNvPr id="217" name="任意多边形: 形状 216">
+              <a:extLst>
+                <a:ext uri="{FF2B5EF4-FFF2-40B4-BE49-F238E27FC236}">
+                  <a16:creationId xmlns:a16="http://schemas.microsoft.com/office/drawing/2014/main" id="{28182282-C293-46AF-98A1-4D437329B9F9}"/>
+                </a:ext>
+              </a:extLst>
+            </p:cNvPr>
+            <p:cNvSpPr/>
+            <p:nvPr/>
+          </p:nvSpPr>
+          <p:spPr>
+            <a:xfrm rot="16200000">
+              <a:off x="5729292" y="4278553"/>
+              <a:ext cx="181265" cy="318956"/>
+            </a:xfrm>
+            <a:custGeom>
+              <a:avLst/>
+              <a:gdLst>
+                <a:gd name="connsiteX0" fmla="*/ 1095375 w 1095375"/>
+                <a:gd name="connsiteY0" fmla="*/ 219075 h 2190750"/>
+                <a:gd name="connsiteX1" fmla="*/ 1095375 w 1095375"/>
+                <a:gd name="connsiteY1" fmla="*/ 1095375 h 2190750"/>
+                <a:gd name="connsiteX2" fmla="*/ 1095375 w 1095375"/>
+                <a:gd name="connsiteY2" fmla="*/ 1971675 h 2190750"/>
+                <a:gd name="connsiteX3" fmla="*/ 547688 w 1095375"/>
+                <a:gd name="connsiteY3" fmla="*/ 2190750 h 2190750"/>
+                <a:gd name="connsiteX4" fmla="*/ 0 w 1095375"/>
+                <a:gd name="connsiteY4" fmla="*/ 1971675 h 2190750"/>
+                <a:gd name="connsiteX5" fmla="*/ 0 w 1095375"/>
+                <a:gd name="connsiteY5" fmla="*/ 1095375 h 2190750"/>
+                <a:gd name="connsiteX6" fmla="*/ 0 w 1095375"/>
+                <a:gd name="connsiteY6" fmla="*/ 219075 h 2190750"/>
+                <a:gd name="connsiteX7" fmla="*/ 547688 w 1095375"/>
+                <a:gd name="connsiteY7" fmla="*/ 0 h 2190750"/>
+              </a:gdLst>
+              <a:ahLst/>
+              <a:cxnLst>
+                <a:cxn ang="0">
+                  <a:pos x="connsiteX0" y="connsiteY0"/>
+                </a:cxn>
+                <a:cxn ang="0">
+                  <a:pos x="connsiteX1" y="connsiteY1"/>
+                </a:cxn>
+                <a:cxn ang="0">
+                  <a:pos x="connsiteX2" y="connsiteY2"/>
+                </a:cxn>
+                <a:cxn ang="0">
+                  <a:pos x="connsiteX3" y="connsiteY3"/>
+                </a:cxn>
+                <a:cxn ang="0">
+                  <a:pos x="connsiteX4" y="connsiteY4"/>
+                </a:cxn>
+                <a:cxn ang="0">
+                  <a:pos x="connsiteX5" y="connsiteY5"/>
+                </a:cxn>
+                <a:cxn ang="0">
+                  <a:pos x="connsiteX6" y="connsiteY6"/>
+                </a:cxn>
+                <a:cxn ang="0">
+                  <a:pos x="connsiteX7" y="connsiteY7"/>
+                </a:cxn>
+              </a:cxnLst>
+              <a:rect l="l" t="t" r="r" b="b"/>
+              <a:pathLst>
+                <a:path w="1095375" h="2190750">
+                  <a:moveTo>
+                    <a:pt x="1095375" y="219075"/>
+                  </a:moveTo>
+                  <a:lnTo>
+                    <a:pt x="1095375" y="1095375"/>
+                  </a:lnTo>
+                  <a:lnTo>
+                    <a:pt x="1095375" y="1971675"/>
+                  </a:lnTo>
+                  <a:lnTo>
+                    <a:pt x="547688" y="2190750"/>
+                  </a:lnTo>
+                  <a:lnTo>
+                    <a:pt x="0" y="1971675"/>
+                  </a:lnTo>
+                  <a:lnTo>
+                    <a:pt x="0" y="1095375"/>
+                  </a:lnTo>
+                  <a:lnTo>
+                    <a:pt x="0" y="219075"/>
+                  </a:lnTo>
+                  <a:lnTo>
+                    <a:pt x="547688" y="0"/>
+                  </a:lnTo>
+                  <a:close/>
+                </a:path>
+              </a:pathLst>
+            </a:custGeom>
+            <a:noFill/>
+            <a:ln>
+              <a:noFill/>
+            </a:ln>
+          </p:spPr>
+          <p:style>
+            <a:lnRef idx="2">
+              <a:schemeClr val="accent1">
+                <a:shade val="50000"/>
+              </a:schemeClr>
+            </a:lnRef>
+            <a:fillRef idx="1">
+              <a:schemeClr val="accent1"/>
+            </a:fillRef>
+            <a:effectRef idx="0">
+              <a:schemeClr val="accent1"/>
+            </a:effectRef>
+            <a:fontRef idx="minor">
+              <a:schemeClr val="lt1"/>
+            </a:fontRef>
+          </p:style>
+          <p:txBody>
+            <a:bodyPr vert="eaVert" lIns="0" tIns="0" rIns="0" bIns="0" rtlCol="0" anchor="ctr"/>
+            <a:lstStyle/>
+            <a:p>
+              <a:pPr algn="ctr"/>
+              <a:r>
+                <a:rPr lang="en-US" altLang="zh-CN" sz="900">
+                  <a:solidFill>
+                    <a:schemeClr val="tx1"/>
+                  </a:solidFill>
+                  <a:latin typeface="Consolas" panose="020B0609020204030204" pitchFamily="49" charset="0"/>
+                  <a:cs typeface="Consolas" panose="020B0609020204030204" pitchFamily="49" charset="0"/>
+                </a:rPr>
+                <a:t>bit5</a:t>
+              </a:r>
+              <a:endParaRPr lang="zh-CN" altLang="en-US" sz="900">
+                <a:solidFill>
+                  <a:schemeClr val="tx1"/>
+                </a:solidFill>
+                <a:latin typeface="Consolas" panose="020B0609020204030204" pitchFamily="49" charset="0"/>
+                <a:cs typeface="Consolas" panose="020B0609020204030204" pitchFamily="49" charset="0"/>
+              </a:endParaRPr>
+            </a:p>
+          </p:txBody>
+        </p:sp>
+        <p:sp>
+          <p:nvSpPr>
+            <p:cNvPr id="218" name="任意多边形: 形状 217">
+              <a:extLst>
+                <a:ext uri="{FF2B5EF4-FFF2-40B4-BE49-F238E27FC236}">
+                  <a16:creationId xmlns:a16="http://schemas.microsoft.com/office/drawing/2014/main" id="{FA7A63E5-F601-4A4E-A676-0DF5632B31BB}"/>
+                </a:ext>
+              </a:extLst>
+            </p:cNvPr>
+            <p:cNvSpPr/>
+            <p:nvPr/>
+          </p:nvSpPr>
+          <p:spPr>
+            <a:xfrm rot="16200000">
+              <a:off x="6050471" y="4278553"/>
+              <a:ext cx="181265" cy="318956"/>
+            </a:xfrm>
+            <a:custGeom>
+              <a:avLst/>
+              <a:gdLst>
+                <a:gd name="connsiteX0" fmla="*/ 1095375 w 1095375"/>
+                <a:gd name="connsiteY0" fmla="*/ 219075 h 2190750"/>
+                <a:gd name="connsiteX1" fmla="*/ 1095375 w 1095375"/>
+                <a:gd name="connsiteY1" fmla="*/ 1095375 h 2190750"/>
+                <a:gd name="connsiteX2" fmla="*/ 1095375 w 1095375"/>
+                <a:gd name="connsiteY2" fmla="*/ 1971675 h 2190750"/>
+                <a:gd name="connsiteX3" fmla="*/ 547688 w 1095375"/>
+                <a:gd name="connsiteY3" fmla="*/ 2190750 h 2190750"/>
+                <a:gd name="connsiteX4" fmla="*/ 0 w 1095375"/>
+                <a:gd name="connsiteY4" fmla="*/ 1971675 h 2190750"/>
+                <a:gd name="connsiteX5" fmla="*/ 0 w 1095375"/>
+                <a:gd name="connsiteY5" fmla="*/ 1095375 h 2190750"/>
+                <a:gd name="connsiteX6" fmla="*/ 0 w 1095375"/>
+                <a:gd name="connsiteY6" fmla="*/ 219075 h 2190750"/>
+                <a:gd name="connsiteX7" fmla="*/ 547688 w 1095375"/>
+                <a:gd name="connsiteY7" fmla="*/ 0 h 2190750"/>
+              </a:gdLst>
+              <a:ahLst/>
+              <a:cxnLst>
+                <a:cxn ang="0">
+                  <a:pos x="connsiteX0" y="connsiteY0"/>
+                </a:cxn>
+                <a:cxn ang="0">
+                  <a:pos x="connsiteX1" y="connsiteY1"/>
+                </a:cxn>
+                <a:cxn ang="0">
+                  <a:pos x="connsiteX2" y="connsiteY2"/>
+                </a:cxn>
+                <a:cxn ang="0">
+                  <a:pos x="connsiteX3" y="connsiteY3"/>
+                </a:cxn>
+                <a:cxn ang="0">
+                  <a:pos x="connsiteX4" y="connsiteY4"/>
+                </a:cxn>
+                <a:cxn ang="0">
+                  <a:pos x="connsiteX5" y="connsiteY5"/>
+                </a:cxn>
+                <a:cxn ang="0">
+                  <a:pos x="connsiteX6" y="connsiteY6"/>
+                </a:cxn>
+                <a:cxn ang="0">
+                  <a:pos x="connsiteX7" y="connsiteY7"/>
+                </a:cxn>
+              </a:cxnLst>
+              <a:rect l="l" t="t" r="r" b="b"/>
+              <a:pathLst>
+                <a:path w="1095375" h="2190750">
+                  <a:moveTo>
+                    <a:pt x="1095375" y="219075"/>
+                  </a:moveTo>
+                  <a:lnTo>
+                    <a:pt x="1095375" y="1095375"/>
+                  </a:lnTo>
+                  <a:lnTo>
+                    <a:pt x="1095375" y="1971675"/>
+                  </a:lnTo>
+                  <a:lnTo>
+                    <a:pt x="547688" y="2190750"/>
+                  </a:lnTo>
+                  <a:lnTo>
+                    <a:pt x="0" y="1971675"/>
+                  </a:lnTo>
+                  <a:lnTo>
+                    <a:pt x="0" y="1095375"/>
+                  </a:lnTo>
+                  <a:lnTo>
+                    <a:pt x="0" y="219075"/>
+                  </a:lnTo>
+                  <a:lnTo>
+                    <a:pt x="547688" y="0"/>
+                  </a:lnTo>
+                  <a:close/>
+                </a:path>
+              </a:pathLst>
+            </a:custGeom>
+            <a:noFill/>
+            <a:ln>
+              <a:noFill/>
+            </a:ln>
+          </p:spPr>
+          <p:style>
+            <a:lnRef idx="2">
+              <a:schemeClr val="accent1">
+                <a:shade val="50000"/>
+              </a:schemeClr>
+            </a:lnRef>
+            <a:fillRef idx="1">
+              <a:schemeClr val="accent1"/>
+            </a:fillRef>
+            <a:effectRef idx="0">
+              <a:schemeClr val="accent1"/>
+            </a:effectRef>
+            <a:fontRef idx="minor">
+              <a:schemeClr val="lt1"/>
+            </a:fontRef>
+          </p:style>
+          <p:txBody>
+            <a:bodyPr vert="eaVert" lIns="0" tIns="0" rIns="0" bIns="0" rtlCol="0" anchor="ctr"/>
+            <a:lstStyle/>
+            <a:p>
+              <a:pPr algn="ctr"/>
+              <a:r>
+                <a:rPr lang="en-US" altLang="zh-CN" sz="900">
+                  <a:solidFill>
+                    <a:schemeClr val="tx1"/>
+                  </a:solidFill>
+                  <a:latin typeface="Consolas" panose="020B0609020204030204" pitchFamily="49" charset="0"/>
+                  <a:cs typeface="Consolas" panose="020B0609020204030204" pitchFamily="49" charset="0"/>
+                </a:rPr>
+                <a:t>bit6</a:t>
+              </a:r>
+              <a:endParaRPr lang="zh-CN" altLang="en-US" sz="900">
+                <a:solidFill>
+                  <a:schemeClr val="tx1"/>
+                </a:solidFill>
+                <a:latin typeface="Consolas" panose="020B0609020204030204" pitchFamily="49" charset="0"/>
+                <a:cs typeface="Consolas" panose="020B0609020204030204" pitchFamily="49" charset="0"/>
+              </a:endParaRPr>
+            </a:p>
+          </p:txBody>
+        </p:sp>
+        <p:sp>
+          <p:nvSpPr>
+            <p:cNvPr id="219" name="任意多边形: 形状 218">
+              <a:extLst>
+                <a:ext uri="{FF2B5EF4-FFF2-40B4-BE49-F238E27FC236}">
+                  <a16:creationId xmlns:a16="http://schemas.microsoft.com/office/drawing/2014/main" id="{6827A6B0-50B5-47A8-8A6A-82FD6E49C572}"/>
+                </a:ext>
+              </a:extLst>
+            </p:cNvPr>
+            <p:cNvSpPr/>
+            <p:nvPr/>
+          </p:nvSpPr>
+          <p:spPr>
+            <a:xfrm rot="16200000">
+              <a:off x="6371650" y="4278553"/>
+              <a:ext cx="181265" cy="318956"/>
+            </a:xfrm>
+            <a:custGeom>
+              <a:avLst/>
+              <a:gdLst>
+                <a:gd name="connsiteX0" fmla="*/ 1095375 w 1095375"/>
+                <a:gd name="connsiteY0" fmla="*/ 219075 h 2190750"/>
+                <a:gd name="connsiteX1" fmla="*/ 1095375 w 1095375"/>
+                <a:gd name="connsiteY1" fmla="*/ 1095375 h 2190750"/>
+                <a:gd name="connsiteX2" fmla="*/ 1095375 w 1095375"/>
+                <a:gd name="connsiteY2" fmla="*/ 1971675 h 2190750"/>
+                <a:gd name="connsiteX3" fmla="*/ 547688 w 1095375"/>
+                <a:gd name="connsiteY3" fmla="*/ 2190750 h 2190750"/>
+                <a:gd name="connsiteX4" fmla="*/ 0 w 1095375"/>
+                <a:gd name="connsiteY4" fmla="*/ 1971675 h 2190750"/>
+                <a:gd name="connsiteX5" fmla="*/ 0 w 1095375"/>
+                <a:gd name="connsiteY5" fmla="*/ 1095375 h 2190750"/>
+                <a:gd name="connsiteX6" fmla="*/ 0 w 1095375"/>
+                <a:gd name="connsiteY6" fmla="*/ 219075 h 2190750"/>
+                <a:gd name="connsiteX7" fmla="*/ 547688 w 1095375"/>
+                <a:gd name="connsiteY7" fmla="*/ 0 h 2190750"/>
+              </a:gdLst>
+              <a:ahLst/>
+              <a:cxnLst>
+                <a:cxn ang="0">
+                  <a:pos x="connsiteX0" y="connsiteY0"/>
+                </a:cxn>
+                <a:cxn ang="0">
+                  <a:pos x="connsiteX1" y="connsiteY1"/>
+                </a:cxn>
+                <a:cxn ang="0">
+                  <a:pos x="connsiteX2" y="connsiteY2"/>
+                </a:cxn>
+                <a:cxn ang="0">
+                  <a:pos x="connsiteX3" y="connsiteY3"/>
+                </a:cxn>
+                <a:cxn ang="0">
+                  <a:pos x="connsiteX4" y="connsiteY4"/>
+                </a:cxn>
+                <a:cxn ang="0">
+                  <a:pos x="connsiteX5" y="connsiteY5"/>
+                </a:cxn>
+                <a:cxn ang="0">
+                  <a:pos x="connsiteX6" y="connsiteY6"/>
+                </a:cxn>
+                <a:cxn ang="0">
+                  <a:pos x="connsiteX7" y="connsiteY7"/>
+                </a:cxn>
+              </a:cxnLst>
+              <a:rect l="l" t="t" r="r" b="b"/>
+              <a:pathLst>
+                <a:path w="1095375" h="2190750">
+                  <a:moveTo>
+                    <a:pt x="1095375" y="219075"/>
+                  </a:moveTo>
+                  <a:lnTo>
+                    <a:pt x="1095375" y="1095375"/>
+                  </a:lnTo>
+                  <a:lnTo>
+                    <a:pt x="1095375" y="1971675"/>
+                  </a:lnTo>
+                  <a:lnTo>
+                    <a:pt x="547688" y="2190750"/>
+                  </a:lnTo>
+                  <a:lnTo>
+                    <a:pt x="0" y="1971675"/>
+                  </a:lnTo>
+                  <a:lnTo>
+                    <a:pt x="0" y="1095375"/>
+                  </a:lnTo>
+                  <a:lnTo>
+                    <a:pt x="0" y="219075"/>
+                  </a:lnTo>
+                  <a:lnTo>
+                    <a:pt x="547688" y="0"/>
+                  </a:lnTo>
+                  <a:close/>
+                </a:path>
+              </a:pathLst>
+            </a:custGeom>
+            <a:noFill/>
+            <a:ln>
+              <a:noFill/>
+            </a:ln>
+          </p:spPr>
+          <p:style>
+            <a:lnRef idx="2">
+              <a:schemeClr val="accent1">
+                <a:shade val="50000"/>
+              </a:schemeClr>
+            </a:lnRef>
+            <a:fillRef idx="1">
+              <a:schemeClr val="accent1"/>
+            </a:fillRef>
+            <a:effectRef idx="0">
+              <a:schemeClr val="accent1"/>
+            </a:effectRef>
+            <a:fontRef idx="minor">
+              <a:schemeClr val="lt1"/>
+            </a:fontRef>
+          </p:style>
+          <p:txBody>
+            <a:bodyPr vert="eaVert" lIns="0" tIns="0" rIns="0" bIns="0" rtlCol="0" anchor="ctr"/>
+            <a:lstStyle/>
+            <a:p>
+              <a:pPr algn="ctr"/>
+              <a:r>
+                <a:rPr lang="en-US" altLang="zh-CN" sz="900">
+                  <a:solidFill>
+                    <a:schemeClr val="tx1"/>
+                  </a:solidFill>
+                  <a:latin typeface="Consolas" panose="020B0609020204030204" pitchFamily="49" charset="0"/>
+                  <a:cs typeface="Consolas" panose="020B0609020204030204" pitchFamily="49" charset="0"/>
+                </a:rPr>
+                <a:t>bit7</a:t>
+              </a:r>
+              <a:endParaRPr lang="zh-CN" altLang="en-US" sz="900">
+                <a:solidFill>
+                  <a:schemeClr val="tx1"/>
+                </a:solidFill>
+                <a:latin typeface="Consolas" panose="020B0609020204030204" pitchFamily="49" charset="0"/>
+                <a:cs typeface="Consolas" panose="020B0609020204030204" pitchFamily="49" charset="0"/>
+              </a:endParaRPr>
+            </a:p>
+          </p:txBody>
+        </p:sp>
+        <p:sp>
+          <p:nvSpPr>
+            <p:cNvPr id="220" name="任意多边形: 形状 219">
+              <a:extLst>
+                <a:ext uri="{FF2B5EF4-FFF2-40B4-BE49-F238E27FC236}">
+                  <a16:creationId xmlns:a16="http://schemas.microsoft.com/office/drawing/2014/main" id="{76CD5AD6-867D-4FD8-A236-8D7D3C7A7F78}"/>
+                </a:ext>
+              </a:extLst>
+            </p:cNvPr>
+            <p:cNvSpPr/>
+            <p:nvPr/>
+          </p:nvSpPr>
+          <p:spPr>
+            <a:xfrm rot="16200000">
+              <a:off x="6692829" y="4278553"/>
+              <a:ext cx="181265" cy="318956"/>
+            </a:xfrm>
+            <a:custGeom>
+              <a:avLst/>
+              <a:gdLst>
+                <a:gd name="connsiteX0" fmla="*/ 1095375 w 1095375"/>
+                <a:gd name="connsiteY0" fmla="*/ 219075 h 2190750"/>
+                <a:gd name="connsiteX1" fmla="*/ 1095375 w 1095375"/>
+                <a:gd name="connsiteY1" fmla="*/ 1095375 h 2190750"/>
+                <a:gd name="connsiteX2" fmla="*/ 1095375 w 1095375"/>
+                <a:gd name="connsiteY2" fmla="*/ 1971675 h 2190750"/>
+                <a:gd name="connsiteX3" fmla="*/ 547688 w 1095375"/>
+                <a:gd name="connsiteY3" fmla="*/ 2190750 h 2190750"/>
+                <a:gd name="connsiteX4" fmla="*/ 0 w 1095375"/>
+                <a:gd name="connsiteY4" fmla="*/ 1971675 h 2190750"/>
+                <a:gd name="connsiteX5" fmla="*/ 0 w 1095375"/>
+                <a:gd name="connsiteY5" fmla="*/ 1095375 h 2190750"/>
+                <a:gd name="connsiteX6" fmla="*/ 0 w 1095375"/>
+                <a:gd name="connsiteY6" fmla="*/ 219075 h 2190750"/>
+                <a:gd name="connsiteX7" fmla="*/ 547688 w 1095375"/>
+                <a:gd name="connsiteY7" fmla="*/ 0 h 2190750"/>
+              </a:gdLst>
+              <a:ahLst/>
+              <a:cxnLst>
+                <a:cxn ang="0">
+                  <a:pos x="connsiteX0" y="connsiteY0"/>
+                </a:cxn>
+                <a:cxn ang="0">
+                  <a:pos x="connsiteX1" y="connsiteY1"/>
+                </a:cxn>
+                <a:cxn ang="0">
+                  <a:pos x="connsiteX2" y="connsiteY2"/>
+                </a:cxn>
+                <a:cxn ang="0">
+                  <a:pos x="connsiteX3" y="connsiteY3"/>
+                </a:cxn>
+                <a:cxn ang="0">
+                  <a:pos x="connsiteX4" y="connsiteY4"/>
+                </a:cxn>
+                <a:cxn ang="0">
+                  <a:pos x="connsiteX5" y="connsiteY5"/>
+                </a:cxn>
+                <a:cxn ang="0">
+                  <a:pos x="connsiteX6" y="connsiteY6"/>
+                </a:cxn>
+                <a:cxn ang="0">
+                  <a:pos x="connsiteX7" y="connsiteY7"/>
+                </a:cxn>
+              </a:cxnLst>
+              <a:rect l="l" t="t" r="r" b="b"/>
+              <a:pathLst>
+                <a:path w="1095375" h="2190750">
+                  <a:moveTo>
+                    <a:pt x="1095375" y="219075"/>
+                  </a:moveTo>
+                  <a:lnTo>
+                    <a:pt x="1095375" y="1095375"/>
+                  </a:lnTo>
+                  <a:lnTo>
+                    <a:pt x="1095375" y="1971675"/>
+                  </a:lnTo>
+                  <a:lnTo>
+                    <a:pt x="547688" y="2190750"/>
+                  </a:lnTo>
+                  <a:lnTo>
+                    <a:pt x="0" y="1971675"/>
+                  </a:lnTo>
+                  <a:lnTo>
+                    <a:pt x="0" y="1095375"/>
+                  </a:lnTo>
+                  <a:lnTo>
+                    <a:pt x="0" y="219075"/>
+                  </a:lnTo>
+                  <a:lnTo>
+                    <a:pt x="547688" y="0"/>
+                  </a:lnTo>
+                  <a:close/>
+                </a:path>
+              </a:pathLst>
+            </a:custGeom>
+            <a:noFill/>
+            <a:ln>
+              <a:noFill/>
+            </a:ln>
+          </p:spPr>
+          <p:style>
+            <a:lnRef idx="2">
+              <a:schemeClr val="accent1">
+                <a:shade val="50000"/>
+              </a:schemeClr>
+            </a:lnRef>
+            <a:fillRef idx="1">
+              <a:schemeClr val="accent1"/>
+            </a:fillRef>
+            <a:effectRef idx="0">
+              <a:schemeClr val="accent1"/>
+            </a:effectRef>
+            <a:fontRef idx="minor">
+              <a:schemeClr val="lt1"/>
+            </a:fontRef>
+          </p:style>
+          <p:txBody>
+            <a:bodyPr vert="eaVert" lIns="0" tIns="0" rIns="0" bIns="0" rtlCol="0" anchor="ctr"/>
+            <a:lstStyle/>
+            <a:p>
+              <a:pPr algn="ctr"/>
+              <a:r>
+                <a:rPr lang="en-US" altLang="zh-CN" sz="900">
+                  <a:solidFill>
+                    <a:schemeClr val="tx1"/>
+                  </a:solidFill>
+                  <a:latin typeface="Consolas" panose="020B0609020204030204" pitchFamily="49" charset="0"/>
+                  <a:cs typeface="Consolas" panose="020B0609020204030204" pitchFamily="49" charset="0"/>
+                </a:rPr>
+                <a:t>bit8</a:t>
+              </a:r>
+              <a:endParaRPr lang="zh-CN" altLang="en-US" sz="900">
+                <a:solidFill>
+                  <a:schemeClr val="tx1"/>
+                </a:solidFill>
+                <a:latin typeface="Consolas" panose="020B0609020204030204" pitchFamily="49" charset="0"/>
+                <a:cs typeface="Consolas" panose="020B0609020204030204" pitchFamily="49" charset="0"/>
+              </a:endParaRPr>
+            </a:p>
+          </p:txBody>
+        </p:sp>
+      </p:grpSp>
       <p:sp>
         <p:nvSpPr>
-          <p:cNvPr id="213" name="任意多边形: 形状 212">
-            <a:extLst>
-              <a:ext uri="{FF2B5EF4-FFF2-40B4-BE49-F238E27FC236}">
-                <a16:creationId xmlns:a16="http://schemas.microsoft.com/office/drawing/2014/main" id="{CA25A63C-3533-4146-97D3-B8CDE9DFAFB8}"/>
+          <p:cNvPr id="221" name="任意多边形: 形状 220">
+            <a:extLst>
+              <a:ext uri="{FF2B5EF4-FFF2-40B4-BE49-F238E27FC236}">
+                <a16:creationId xmlns:a16="http://schemas.microsoft.com/office/drawing/2014/main" id="{1F015BDD-D6C0-46E9-92BC-28326379773A}"/>
               </a:ext>
             </a:extLst>
           </p:cNvPr>
@@ -36157,7 +37308,7 @@
         </p:nvSpPr>
         <p:spPr>
           <a:xfrm rot="16200000">
-            <a:off x="4910039" y="3749318"/>
+            <a:off x="7424758" y="3906931"/>
             <a:ext cx="181265" cy="318956"/>
           </a:xfrm>
           <a:custGeom>
@@ -36274,7 +37425,7 @@
                 <a:latin typeface="Consolas" panose="020B0609020204030204" pitchFamily="49" charset="0"/>
                 <a:cs typeface="Consolas" panose="020B0609020204030204" pitchFamily="49" charset="0"/>
               </a:rPr>
-              <a:t>bit1</a:t>
+              <a:t>stop</a:t>
             </a:r>
             <a:endParaRPr lang="zh-CN" altLang="en-US" sz="700">
               <a:solidFill>
@@ -36288,10 +37439,10 @@
       </p:sp>
       <p:sp>
         <p:nvSpPr>
-          <p:cNvPr id="214" name="任意多边形: 形状 213">
-            <a:extLst>
-              <a:ext uri="{FF2B5EF4-FFF2-40B4-BE49-F238E27FC236}">
-                <a16:creationId xmlns:a16="http://schemas.microsoft.com/office/drawing/2014/main" id="{DCEF85BB-5696-43EE-9820-11A70B0E8646}"/>
+          <p:cNvPr id="222" name="任意多边形: 形状 221">
+            <a:extLst>
+              <a:ext uri="{FF2B5EF4-FFF2-40B4-BE49-F238E27FC236}">
+                <a16:creationId xmlns:a16="http://schemas.microsoft.com/office/drawing/2014/main" id="{6ACD1C2F-90AF-4B07-8823-1E6B85F436D1}"/>
               </a:ext>
             </a:extLst>
           </p:cNvPr>
@@ -36300,7 +37451,7 @@
         </p:nvSpPr>
         <p:spPr>
           <a:xfrm rot="16200000">
-            <a:off x="5231218" y="3749318"/>
+            <a:off x="3862513" y="4783308"/>
             <a:ext cx="181265" cy="318956"/>
           </a:xfrm>
           <a:custGeom>
@@ -36383,9 +37534,7 @@
           </a:custGeom>
           <a:noFill/>
           <a:ln>
-            <a:solidFill>
-              <a:schemeClr val="tx1"/>
-            </a:solidFill>
+            <a:noFill/>
           </a:ln>
         </p:spPr>
         <p:style>
@@ -36410,16 +37559,16 @@
           <a:p>
             <a:pPr algn="ctr"/>
             <a:r>
-              <a:rPr lang="en-US" altLang="zh-CN" sz="700">
+              <a:rPr lang="en-US" altLang="zh-CN" sz="900">
                 <a:solidFill>
                   <a:schemeClr val="tx1"/>
                 </a:solidFill>
                 <a:latin typeface="Consolas" panose="020B0609020204030204" pitchFamily="49" charset="0"/>
                 <a:cs typeface="Consolas" panose="020B0609020204030204" pitchFamily="49" charset="0"/>
               </a:rPr>
-              <a:t>bit2</a:t>
+              <a:t>0</a:t>
             </a:r>
-            <a:endParaRPr lang="zh-CN" altLang="en-US" sz="700">
+            <a:endParaRPr lang="zh-CN" altLang="en-US" sz="900">
               <a:solidFill>
                 <a:schemeClr val="tx1"/>
               </a:solidFill>
@@ -36429,12 +37578,649 @@
           </a:p>
         </p:txBody>
       </p:sp>
+      <p:grpSp>
+        <p:nvGrpSpPr>
+          <p:cNvPr id="303" name="组合 302">
+            <a:extLst>
+              <a:ext uri="{FF2B5EF4-FFF2-40B4-BE49-F238E27FC236}">
+                <a16:creationId xmlns:a16="http://schemas.microsoft.com/office/drawing/2014/main" id="{D050B019-DAFB-4029-BCBC-04AE76E5C955}"/>
+              </a:ext>
+            </a:extLst>
+          </p:cNvPr>
+          <p:cNvGrpSpPr/>
+          <p:nvPr/>
+        </p:nvGrpSpPr>
+        <p:grpSpPr>
+          <a:xfrm>
+            <a:off x="2933700" y="4752030"/>
+            <a:ext cx="5781674" cy="381515"/>
+            <a:chOff x="2884533" y="4876585"/>
+            <a:chExt cx="3894104" cy="256960"/>
+          </a:xfrm>
+        </p:grpSpPr>
+        <p:cxnSp>
+          <p:nvCxnSpPr>
+            <p:cNvPr id="305" name="直接连接符 304">
+              <a:extLst>
+                <a:ext uri="{FF2B5EF4-FFF2-40B4-BE49-F238E27FC236}">
+                  <a16:creationId xmlns:a16="http://schemas.microsoft.com/office/drawing/2014/main" id="{49E62B7A-209B-4F74-8FDE-BEB15E0509A9}"/>
+                </a:ext>
+              </a:extLst>
+            </p:cNvPr>
+            <p:cNvCxnSpPr>
+              <a:cxnSpLocks/>
+            </p:cNvCxnSpPr>
+            <p:nvPr/>
+          </p:nvCxnSpPr>
+          <p:spPr>
+            <a:xfrm>
+              <a:off x="2884533" y="4876585"/>
+              <a:ext cx="544467" cy="0"/>
+            </a:xfrm>
+            <a:prstGeom prst="line">
+              <a:avLst/>
+            </a:prstGeom>
+            <a:ln w="15875" cap="rnd">
+              <a:solidFill>
+                <a:schemeClr val="tx1"/>
+              </a:solidFill>
+              <a:miter lim="800000"/>
+            </a:ln>
+          </p:spPr>
+          <p:style>
+            <a:lnRef idx="1">
+              <a:schemeClr val="accent1"/>
+            </a:lnRef>
+            <a:fillRef idx="0">
+              <a:schemeClr val="accent1"/>
+            </a:fillRef>
+            <a:effectRef idx="0">
+              <a:schemeClr val="accent1"/>
+            </a:effectRef>
+            <a:fontRef idx="minor">
+              <a:schemeClr val="tx1"/>
+            </a:fontRef>
+          </p:style>
+        </p:cxnSp>
+        <p:cxnSp>
+          <p:nvCxnSpPr>
+            <p:cNvPr id="307" name="直接连接符 306">
+              <a:extLst>
+                <a:ext uri="{FF2B5EF4-FFF2-40B4-BE49-F238E27FC236}">
+                  <a16:creationId xmlns:a16="http://schemas.microsoft.com/office/drawing/2014/main" id="{69ABE5D3-29BD-45AC-AEC7-D4A9F30A9592}"/>
+                </a:ext>
+              </a:extLst>
+            </p:cNvPr>
+            <p:cNvCxnSpPr>
+              <a:cxnSpLocks/>
+            </p:cNvCxnSpPr>
+            <p:nvPr/>
+          </p:nvCxnSpPr>
+          <p:spPr>
+            <a:xfrm>
+              <a:off x="3429000" y="4876585"/>
+              <a:ext cx="0" cy="256960"/>
+            </a:xfrm>
+            <a:prstGeom prst="line">
+              <a:avLst/>
+            </a:prstGeom>
+            <a:ln w="15875" cap="rnd">
+              <a:solidFill>
+                <a:schemeClr val="tx1"/>
+              </a:solidFill>
+              <a:miter lim="800000"/>
+            </a:ln>
+          </p:spPr>
+          <p:style>
+            <a:lnRef idx="1">
+              <a:schemeClr val="accent1"/>
+            </a:lnRef>
+            <a:fillRef idx="0">
+              <a:schemeClr val="accent1"/>
+            </a:fillRef>
+            <a:effectRef idx="0">
+              <a:schemeClr val="accent1"/>
+            </a:effectRef>
+            <a:fontRef idx="minor">
+              <a:schemeClr val="tx1"/>
+            </a:fontRef>
+          </p:style>
+        </p:cxnSp>
+        <p:cxnSp>
+          <p:nvCxnSpPr>
+            <p:cNvPr id="309" name="直接连接符 308">
+              <a:extLst>
+                <a:ext uri="{FF2B5EF4-FFF2-40B4-BE49-F238E27FC236}">
+                  <a16:creationId xmlns:a16="http://schemas.microsoft.com/office/drawing/2014/main" id="{0D4D4325-2DC5-49B5-8D88-18E287044107}"/>
+                </a:ext>
+              </a:extLst>
+            </p:cNvPr>
+            <p:cNvCxnSpPr>
+              <a:cxnSpLocks/>
+            </p:cNvCxnSpPr>
+            <p:nvPr/>
+          </p:nvCxnSpPr>
+          <p:spPr>
+            <a:xfrm>
+              <a:off x="3429000" y="5133545"/>
+              <a:ext cx="2843112" cy="0"/>
+            </a:xfrm>
+            <a:prstGeom prst="line">
+              <a:avLst/>
+            </a:prstGeom>
+            <a:ln w="15875" cap="rnd">
+              <a:solidFill>
+                <a:schemeClr val="tx1"/>
+              </a:solidFill>
+              <a:miter lim="800000"/>
+            </a:ln>
+          </p:spPr>
+          <p:style>
+            <a:lnRef idx="1">
+              <a:schemeClr val="accent1"/>
+            </a:lnRef>
+            <a:fillRef idx="0">
+              <a:schemeClr val="accent1"/>
+            </a:fillRef>
+            <a:effectRef idx="0">
+              <a:schemeClr val="accent1"/>
+            </a:effectRef>
+            <a:fontRef idx="minor">
+              <a:schemeClr val="tx1"/>
+            </a:fontRef>
+          </p:style>
+        </p:cxnSp>
+        <p:cxnSp>
+          <p:nvCxnSpPr>
+            <p:cNvPr id="311" name="直接连接符 310">
+              <a:extLst>
+                <a:ext uri="{FF2B5EF4-FFF2-40B4-BE49-F238E27FC236}">
+                  <a16:creationId xmlns:a16="http://schemas.microsoft.com/office/drawing/2014/main" id="{187C2A80-3324-4A60-8B00-2AB6D6AEA98D}"/>
+                </a:ext>
+              </a:extLst>
+            </p:cNvPr>
+            <p:cNvCxnSpPr>
+              <a:cxnSpLocks/>
+            </p:cNvCxnSpPr>
+            <p:nvPr/>
+          </p:nvCxnSpPr>
+          <p:spPr>
+            <a:xfrm>
+              <a:off x="3713311" y="4876585"/>
+              <a:ext cx="0" cy="256960"/>
+            </a:xfrm>
+            <a:prstGeom prst="line">
+              <a:avLst/>
+            </a:prstGeom>
+            <a:ln w="15875" cap="rnd">
+              <a:solidFill>
+                <a:schemeClr val="tx1"/>
+              </a:solidFill>
+              <a:miter lim="800000"/>
+            </a:ln>
+          </p:spPr>
+          <p:style>
+            <a:lnRef idx="1">
+              <a:schemeClr val="accent1"/>
+            </a:lnRef>
+            <a:fillRef idx="0">
+              <a:schemeClr val="accent1"/>
+            </a:fillRef>
+            <a:effectRef idx="0">
+              <a:schemeClr val="accent1"/>
+            </a:effectRef>
+            <a:fontRef idx="minor">
+              <a:schemeClr val="tx1"/>
+            </a:fontRef>
+          </p:style>
+        </p:cxnSp>
+        <p:cxnSp>
+          <p:nvCxnSpPr>
+            <p:cNvPr id="315" name="直接连接符 314">
+              <a:extLst>
+                <a:ext uri="{FF2B5EF4-FFF2-40B4-BE49-F238E27FC236}">
+                  <a16:creationId xmlns:a16="http://schemas.microsoft.com/office/drawing/2014/main" id="{889AB5E3-AAED-4D7B-AD58-D7D135ABDE15}"/>
+                </a:ext>
+              </a:extLst>
+            </p:cNvPr>
+            <p:cNvCxnSpPr>
+              <a:cxnSpLocks/>
+            </p:cNvCxnSpPr>
+            <p:nvPr/>
+          </p:nvCxnSpPr>
+          <p:spPr>
+            <a:xfrm>
+              <a:off x="3997622" y="4876585"/>
+              <a:ext cx="0" cy="256960"/>
+            </a:xfrm>
+            <a:prstGeom prst="line">
+              <a:avLst/>
+            </a:prstGeom>
+            <a:ln w="15875" cap="rnd">
+              <a:solidFill>
+                <a:schemeClr val="tx1"/>
+              </a:solidFill>
+              <a:miter lim="800000"/>
+            </a:ln>
+          </p:spPr>
+          <p:style>
+            <a:lnRef idx="1">
+              <a:schemeClr val="accent1"/>
+            </a:lnRef>
+            <a:fillRef idx="0">
+              <a:schemeClr val="accent1"/>
+            </a:fillRef>
+            <a:effectRef idx="0">
+              <a:schemeClr val="accent1"/>
+            </a:effectRef>
+            <a:fontRef idx="minor">
+              <a:schemeClr val="tx1"/>
+            </a:fontRef>
+          </p:style>
+        </p:cxnSp>
+        <p:cxnSp>
+          <p:nvCxnSpPr>
+            <p:cNvPr id="318" name="直接连接符 317">
+              <a:extLst>
+                <a:ext uri="{FF2B5EF4-FFF2-40B4-BE49-F238E27FC236}">
+                  <a16:creationId xmlns:a16="http://schemas.microsoft.com/office/drawing/2014/main" id="{C964E777-99AB-46F4-B3C2-BFA6EBD563C3}"/>
+                </a:ext>
+              </a:extLst>
+            </p:cNvPr>
+            <p:cNvCxnSpPr>
+              <a:cxnSpLocks/>
+            </p:cNvCxnSpPr>
+            <p:nvPr/>
+          </p:nvCxnSpPr>
+          <p:spPr>
+            <a:xfrm>
+              <a:off x="4281933" y="4876585"/>
+              <a:ext cx="0" cy="256960"/>
+            </a:xfrm>
+            <a:prstGeom prst="line">
+              <a:avLst/>
+            </a:prstGeom>
+            <a:ln w="15875" cap="rnd">
+              <a:solidFill>
+                <a:schemeClr val="tx1"/>
+              </a:solidFill>
+              <a:miter lim="800000"/>
+            </a:ln>
+          </p:spPr>
+          <p:style>
+            <a:lnRef idx="1">
+              <a:schemeClr val="accent1"/>
+            </a:lnRef>
+            <a:fillRef idx="0">
+              <a:schemeClr val="accent1"/>
+            </a:fillRef>
+            <a:effectRef idx="0">
+              <a:schemeClr val="accent1"/>
+            </a:effectRef>
+            <a:fontRef idx="minor">
+              <a:schemeClr val="tx1"/>
+            </a:fontRef>
+          </p:style>
+        </p:cxnSp>
+        <p:cxnSp>
+          <p:nvCxnSpPr>
+            <p:cNvPr id="321" name="直接连接符 320">
+              <a:extLst>
+                <a:ext uri="{FF2B5EF4-FFF2-40B4-BE49-F238E27FC236}">
+                  <a16:creationId xmlns:a16="http://schemas.microsoft.com/office/drawing/2014/main" id="{F69B32CB-988E-411D-A9D0-4930917130AC}"/>
+                </a:ext>
+              </a:extLst>
+            </p:cNvPr>
+            <p:cNvCxnSpPr>
+              <a:cxnSpLocks/>
+            </p:cNvCxnSpPr>
+            <p:nvPr/>
+          </p:nvCxnSpPr>
+          <p:spPr>
+            <a:xfrm>
+              <a:off x="4566244" y="4876585"/>
+              <a:ext cx="0" cy="256960"/>
+            </a:xfrm>
+            <a:prstGeom prst="line">
+              <a:avLst/>
+            </a:prstGeom>
+            <a:ln w="15875" cap="rnd">
+              <a:solidFill>
+                <a:schemeClr val="tx1"/>
+              </a:solidFill>
+              <a:miter lim="800000"/>
+            </a:ln>
+          </p:spPr>
+          <p:style>
+            <a:lnRef idx="1">
+              <a:schemeClr val="accent1"/>
+            </a:lnRef>
+            <a:fillRef idx="0">
+              <a:schemeClr val="accent1"/>
+            </a:fillRef>
+            <a:effectRef idx="0">
+              <a:schemeClr val="accent1"/>
+            </a:effectRef>
+            <a:fontRef idx="minor">
+              <a:schemeClr val="tx1"/>
+            </a:fontRef>
+          </p:style>
+        </p:cxnSp>
+        <p:cxnSp>
+          <p:nvCxnSpPr>
+            <p:cNvPr id="324" name="直接连接符 323">
+              <a:extLst>
+                <a:ext uri="{FF2B5EF4-FFF2-40B4-BE49-F238E27FC236}">
+                  <a16:creationId xmlns:a16="http://schemas.microsoft.com/office/drawing/2014/main" id="{7981305D-0D82-41C7-8B32-95F2300AC18C}"/>
+                </a:ext>
+              </a:extLst>
+            </p:cNvPr>
+            <p:cNvCxnSpPr>
+              <a:cxnSpLocks/>
+            </p:cNvCxnSpPr>
+            <p:nvPr/>
+          </p:nvCxnSpPr>
+          <p:spPr>
+            <a:xfrm>
+              <a:off x="4850555" y="4876585"/>
+              <a:ext cx="0" cy="256960"/>
+            </a:xfrm>
+            <a:prstGeom prst="line">
+              <a:avLst/>
+            </a:prstGeom>
+            <a:ln w="15875" cap="rnd">
+              <a:solidFill>
+                <a:schemeClr val="tx1"/>
+              </a:solidFill>
+              <a:miter lim="800000"/>
+            </a:ln>
+          </p:spPr>
+          <p:style>
+            <a:lnRef idx="1">
+              <a:schemeClr val="accent1"/>
+            </a:lnRef>
+            <a:fillRef idx="0">
+              <a:schemeClr val="accent1"/>
+            </a:fillRef>
+            <a:effectRef idx="0">
+              <a:schemeClr val="accent1"/>
+            </a:effectRef>
+            <a:fontRef idx="minor">
+              <a:schemeClr val="tx1"/>
+            </a:fontRef>
+          </p:style>
+        </p:cxnSp>
+        <p:cxnSp>
+          <p:nvCxnSpPr>
+            <p:cNvPr id="327" name="直接连接符 326">
+              <a:extLst>
+                <a:ext uri="{FF2B5EF4-FFF2-40B4-BE49-F238E27FC236}">
+                  <a16:creationId xmlns:a16="http://schemas.microsoft.com/office/drawing/2014/main" id="{7C2DAF16-8045-4F65-9B6E-86DAD6B452D4}"/>
+                </a:ext>
+              </a:extLst>
+            </p:cNvPr>
+            <p:cNvCxnSpPr>
+              <a:cxnSpLocks/>
+            </p:cNvCxnSpPr>
+            <p:nvPr/>
+          </p:nvCxnSpPr>
+          <p:spPr>
+            <a:xfrm>
+              <a:off x="5134866" y="4876585"/>
+              <a:ext cx="0" cy="256960"/>
+            </a:xfrm>
+            <a:prstGeom prst="line">
+              <a:avLst/>
+            </a:prstGeom>
+            <a:ln w="15875" cap="rnd">
+              <a:solidFill>
+                <a:schemeClr val="tx1"/>
+              </a:solidFill>
+              <a:miter lim="800000"/>
+            </a:ln>
+          </p:spPr>
+          <p:style>
+            <a:lnRef idx="1">
+              <a:schemeClr val="accent1"/>
+            </a:lnRef>
+            <a:fillRef idx="0">
+              <a:schemeClr val="accent1"/>
+            </a:fillRef>
+            <a:effectRef idx="0">
+              <a:schemeClr val="accent1"/>
+            </a:effectRef>
+            <a:fontRef idx="minor">
+              <a:schemeClr val="tx1"/>
+            </a:fontRef>
+          </p:style>
+        </p:cxnSp>
+        <p:cxnSp>
+          <p:nvCxnSpPr>
+            <p:cNvPr id="330" name="直接连接符 329">
+              <a:extLst>
+                <a:ext uri="{FF2B5EF4-FFF2-40B4-BE49-F238E27FC236}">
+                  <a16:creationId xmlns:a16="http://schemas.microsoft.com/office/drawing/2014/main" id="{B3EF83C2-7667-4843-91A5-EEF4CA919D5C}"/>
+                </a:ext>
+              </a:extLst>
+            </p:cNvPr>
+            <p:cNvCxnSpPr>
+              <a:cxnSpLocks/>
+            </p:cNvCxnSpPr>
+            <p:nvPr/>
+          </p:nvCxnSpPr>
+          <p:spPr>
+            <a:xfrm>
+              <a:off x="5419177" y="4876585"/>
+              <a:ext cx="0" cy="256960"/>
+            </a:xfrm>
+            <a:prstGeom prst="line">
+              <a:avLst/>
+            </a:prstGeom>
+            <a:ln w="15875" cap="rnd">
+              <a:solidFill>
+                <a:schemeClr val="tx1"/>
+              </a:solidFill>
+              <a:miter lim="800000"/>
+            </a:ln>
+          </p:spPr>
+          <p:style>
+            <a:lnRef idx="1">
+              <a:schemeClr val="accent1"/>
+            </a:lnRef>
+            <a:fillRef idx="0">
+              <a:schemeClr val="accent1"/>
+            </a:fillRef>
+            <a:effectRef idx="0">
+              <a:schemeClr val="accent1"/>
+            </a:effectRef>
+            <a:fontRef idx="minor">
+              <a:schemeClr val="tx1"/>
+            </a:fontRef>
+          </p:style>
+        </p:cxnSp>
+        <p:cxnSp>
+          <p:nvCxnSpPr>
+            <p:cNvPr id="333" name="直接连接符 332">
+              <a:extLst>
+                <a:ext uri="{FF2B5EF4-FFF2-40B4-BE49-F238E27FC236}">
+                  <a16:creationId xmlns:a16="http://schemas.microsoft.com/office/drawing/2014/main" id="{A9FCF6C2-E740-40B7-908F-5C8FEE8769E1}"/>
+                </a:ext>
+              </a:extLst>
+            </p:cNvPr>
+            <p:cNvCxnSpPr>
+              <a:cxnSpLocks/>
+            </p:cNvCxnSpPr>
+            <p:nvPr/>
+          </p:nvCxnSpPr>
+          <p:spPr>
+            <a:xfrm>
+              <a:off x="5703488" y="4876585"/>
+              <a:ext cx="0" cy="256960"/>
+            </a:xfrm>
+            <a:prstGeom prst="line">
+              <a:avLst/>
+            </a:prstGeom>
+            <a:ln w="15875" cap="rnd">
+              <a:solidFill>
+                <a:schemeClr val="tx1"/>
+              </a:solidFill>
+              <a:miter lim="800000"/>
+            </a:ln>
+          </p:spPr>
+          <p:style>
+            <a:lnRef idx="1">
+              <a:schemeClr val="accent1"/>
+            </a:lnRef>
+            <a:fillRef idx="0">
+              <a:schemeClr val="accent1"/>
+            </a:fillRef>
+            <a:effectRef idx="0">
+              <a:schemeClr val="accent1"/>
+            </a:effectRef>
+            <a:fontRef idx="minor">
+              <a:schemeClr val="tx1"/>
+            </a:fontRef>
+          </p:style>
+        </p:cxnSp>
+        <p:cxnSp>
+          <p:nvCxnSpPr>
+            <p:cNvPr id="336" name="直接连接符 335">
+              <a:extLst>
+                <a:ext uri="{FF2B5EF4-FFF2-40B4-BE49-F238E27FC236}">
+                  <a16:creationId xmlns:a16="http://schemas.microsoft.com/office/drawing/2014/main" id="{777D2324-6455-439B-8411-B9E46744C4FC}"/>
+                </a:ext>
+              </a:extLst>
+            </p:cNvPr>
+            <p:cNvCxnSpPr>
+              <a:cxnSpLocks/>
+            </p:cNvCxnSpPr>
+            <p:nvPr/>
+          </p:nvCxnSpPr>
+          <p:spPr>
+            <a:xfrm>
+              <a:off x="5987799" y="4876585"/>
+              <a:ext cx="0" cy="256960"/>
+            </a:xfrm>
+            <a:prstGeom prst="line">
+              <a:avLst/>
+            </a:prstGeom>
+            <a:ln w="15875" cap="rnd">
+              <a:solidFill>
+                <a:schemeClr val="tx1"/>
+              </a:solidFill>
+              <a:miter lim="800000"/>
+            </a:ln>
+          </p:spPr>
+          <p:style>
+            <a:lnRef idx="1">
+              <a:schemeClr val="accent1"/>
+            </a:lnRef>
+            <a:fillRef idx="0">
+              <a:schemeClr val="accent1"/>
+            </a:fillRef>
+            <a:effectRef idx="0">
+              <a:schemeClr val="accent1"/>
+            </a:effectRef>
+            <a:fontRef idx="minor">
+              <a:schemeClr val="tx1"/>
+            </a:fontRef>
+          </p:style>
+        </p:cxnSp>
+        <p:cxnSp>
+          <p:nvCxnSpPr>
+            <p:cNvPr id="339" name="直接连接符 338">
+              <a:extLst>
+                <a:ext uri="{FF2B5EF4-FFF2-40B4-BE49-F238E27FC236}">
+                  <a16:creationId xmlns:a16="http://schemas.microsoft.com/office/drawing/2014/main" id="{F23C51A9-383C-440A-95E3-AE8CC6C3DDE9}"/>
+                </a:ext>
+              </a:extLst>
+            </p:cNvPr>
+            <p:cNvCxnSpPr>
+              <a:cxnSpLocks/>
+            </p:cNvCxnSpPr>
+            <p:nvPr/>
+          </p:nvCxnSpPr>
+          <p:spPr>
+            <a:xfrm>
+              <a:off x="6272112" y="4876585"/>
+              <a:ext cx="0" cy="256960"/>
+            </a:xfrm>
+            <a:prstGeom prst="line">
+              <a:avLst/>
+            </a:prstGeom>
+            <a:ln w="15875" cap="rnd">
+              <a:solidFill>
+                <a:schemeClr val="tx1"/>
+              </a:solidFill>
+              <a:miter lim="800000"/>
+            </a:ln>
+          </p:spPr>
+          <p:style>
+            <a:lnRef idx="1">
+              <a:schemeClr val="accent1"/>
+            </a:lnRef>
+            <a:fillRef idx="0">
+              <a:schemeClr val="accent1"/>
+            </a:fillRef>
+            <a:effectRef idx="0">
+              <a:schemeClr val="accent1"/>
+            </a:effectRef>
+            <a:fontRef idx="minor">
+              <a:schemeClr val="tx1"/>
+            </a:fontRef>
+          </p:style>
+        </p:cxnSp>
+        <p:cxnSp>
+          <p:nvCxnSpPr>
+            <p:cNvPr id="341" name="直接连接符 340">
+              <a:extLst>
+                <a:ext uri="{FF2B5EF4-FFF2-40B4-BE49-F238E27FC236}">
+                  <a16:creationId xmlns:a16="http://schemas.microsoft.com/office/drawing/2014/main" id="{108FD48D-CFDD-492D-BE65-DF1AE4040DEC}"/>
+                </a:ext>
+              </a:extLst>
+            </p:cNvPr>
+            <p:cNvCxnSpPr>
+              <a:cxnSpLocks/>
+            </p:cNvCxnSpPr>
+            <p:nvPr/>
+          </p:nvCxnSpPr>
+          <p:spPr>
+            <a:xfrm>
+              <a:off x="3713311" y="4876585"/>
+              <a:ext cx="3065326" cy="0"/>
+            </a:xfrm>
+            <a:prstGeom prst="line">
+              <a:avLst/>
+            </a:prstGeom>
+            <a:ln w="15875" cap="rnd">
+              <a:solidFill>
+                <a:schemeClr val="tx1"/>
+              </a:solidFill>
+              <a:miter lim="800000"/>
+            </a:ln>
+          </p:spPr>
+          <p:style>
+            <a:lnRef idx="1">
+              <a:schemeClr val="accent1"/>
+            </a:lnRef>
+            <a:fillRef idx="0">
+              <a:schemeClr val="accent1"/>
+            </a:fillRef>
+            <a:effectRef idx="0">
+              <a:schemeClr val="accent1"/>
+            </a:effectRef>
+            <a:fontRef idx="minor">
+              <a:schemeClr val="tx1"/>
+            </a:fontRef>
+          </p:style>
+        </p:cxnSp>
+      </p:grpSp>
       <p:sp>
         <p:nvSpPr>
-          <p:cNvPr id="215" name="任意多边形: 形状 214">
-            <a:extLst>
-              <a:ext uri="{FF2B5EF4-FFF2-40B4-BE49-F238E27FC236}">
-                <a16:creationId xmlns:a16="http://schemas.microsoft.com/office/drawing/2014/main" id="{A0B12B06-691F-4C25-B99D-1739A1DAAFC0}"/>
+          <p:cNvPr id="347" name="任意多边形: 形状 346">
+            <a:extLst>
+              <a:ext uri="{FF2B5EF4-FFF2-40B4-BE49-F238E27FC236}">
+                <a16:creationId xmlns:a16="http://schemas.microsoft.com/office/drawing/2014/main" id="{42DB7992-7E83-4144-93AB-766CFB3D674E}"/>
               </a:ext>
             </a:extLst>
           </p:cNvPr>
@@ -36443,7 +38229,7 @@
         </p:nvSpPr>
         <p:spPr>
           <a:xfrm rot="16200000">
-            <a:off x="5552397" y="3749318"/>
+            <a:off x="8049702" y="4783307"/>
             <a:ext cx="181265" cy="318956"/>
           </a:xfrm>
           <a:custGeom>
@@ -36526,9 +38312,7 @@
           </a:custGeom>
           <a:noFill/>
           <a:ln>
-            <a:solidFill>
-              <a:schemeClr val="tx1"/>
-            </a:solidFill>
+            <a:noFill/>
           </a:ln>
         </p:spPr>
         <p:style>
@@ -36553,16 +38337,16 @@
           <a:p>
             <a:pPr algn="ctr"/>
             <a:r>
-              <a:rPr lang="en-US" altLang="zh-CN" sz="700">
+              <a:rPr lang="en-US" altLang="zh-CN" sz="900">
                 <a:solidFill>
                   <a:schemeClr val="tx1"/>
                 </a:solidFill>
                 <a:latin typeface="Consolas" panose="020B0609020204030204" pitchFamily="49" charset="0"/>
                 <a:cs typeface="Consolas" panose="020B0609020204030204" pitchFamily="49" charset="0"/>
               </a:rPr>
-              <a:t>bit3</a:t>
+              <a:t>1</a:t>
             </a:r>
-            <a:endParaRPr lang="zh-CN" altLang="en-US" sz="700">
+            <a:endParaRPr lang="zh-CN" altLang="en-US" sz="900">
               <a:solidFill>
                 <a:schemeClr val="tx1"/>
               </a:solidFill>
@@ -36574,10 +38358,10 @@
       </p:sp>
       <p:sp>
         <p:nvSpPr>
-          <p:cNvPr id="216" name="任意多边形: 形状 215">
-            <a:extLst>
-              <a:ext uri="{FF2B5EF4-FFF2-40B4-BE49-F238E27FC236}">
-                <a16:creationId xmlns:a16="http://schemas.microsoft.com/office/drawing/2014/main" id="{DE84D06B-075F-4A07-A8EA-0446BAEDFF41}"/>
+          <p:cNvPr id="310" name="右大括号 309">
+            <a:extLst>
+              <a:ext uri="{FF2B5EF4-FFF2-40B4-BE49-F238E27FC236}">
+                <a16:creationId xmlns:a16="http://schemas.microsoft.com/office/drawing/2014/main" id="{EBDDB78C-8430-4FFC-82A1-F9DBD85A0233}"/>
               </a:ext>
             </a:extLst>
           </p:cNvPr>
@@ -36585,90 +38369,343 @@
           <p:nvPr/>
         </p:nvSpPr>
         <p:spPr>
-          <a:xfrm rot="16200000">
-            <a:off x="5873576" y="3749318"/>
-            <a:ext cx="181265" cy="318956"/>
-          </a:xfrm>
-          <a:custGeom>
+          <a:xfrm rot="16200000" flipH="1">
+            <a:off x="5761134" y="3620348"/>
+            <a:ext cx="179505" cy="3373356"/>
+          </a:xfrm>
+          <a:prstGeom prst="rightBrace">
+            <a:avLst>
+              <a:gd name="adj1" fmla="val 32507"/>
+              <a:gd name="adj2" fmla="val 50000"/>
+            </a:avLst>
+          </a:prstGeom>
+          <a:ln w="3175">
+            <a:solidFill>
+              <a:schemeClr val="tx1"/>
+            </a:solidFill>
+          </a:ln>
+        </p:spPr>
+        <p:style>
+          <a:lnRef idx="1">
+            <a:schemeClr val="accent1"/>
+          </a:lnRef>
+          <a:fillRef idx="0">
+            <a:schemeClr val="accent1"/>
+          </a:fillRef>
+          <a:effectRef idx="0">
+            <a:schemeClr val="accent1"/>
+          </a:effectRef>
+          <a:fontRef idx="minor">
+            <a:schemeClr val="tx1"/>
+          </a:fontRef>
+        </p:style>
+        <p:txBody>
+          <a:bodyPr rtlCol="0" anchor="ctr"/>
+          <a:lstStyle/>
+          <a:p>
+            <a:pPr algn="ctr"/>
+            <a:endParaRPr lang="zh-CN" altLang="en-US"/>
+          </a:p>
+        </p:txBody>
+      </p:sp>
+      <p:sp>
+        <p:nvSpPr>
+          <p:cNvPr id="350" name="文本框 349">
+            <a:extLst>
+              <a:ext uri="{FF2B5EF4-FFF2-40B4-BE49-F238E27FC236}">
+                <a16:creationId xmlns:a16="http://schemas.microsoft.com/office/drawing/2014/main" id="{EE3D5B25-8811-4E60-A2C2-2BE07825466A}"/>
+              </a:ext>
+            </a:extLst>
+          </p:cNvPr>
+          <p:cNvSpPr txBox="1"/>
+          <p:nvPr/>
+        </p:nvSpPr>
+        <p:spPr>
+          <a:xfrm>
+            <a:off x="5508924" y="5483204"/>
+            <a:ext cx="683924" cy="138499"/>
+          </a:xfrm>
+          <a:prstGeom prst="rect">
             <a:avLst/>
-            <a:gdLst>
-              <a:gd name="connsiteX0" fmla="*/ 1095375 w 1095375"/>
-              <a:gd name="connsiteY0" fmla="*/ 219075 h 2190750"/>
-              <a:gd name="connsiteX1" fmla="*/ 1095375 w 1095375"/>
-              <a:gd name="connsiteY1" fmla="*/ 1095375 h 2190750"/>
-              <a:gd name="connsiteX2" fmla="*/ 1095375 w 1095375"/>
-              <a:gd name="connsiteY2" fmla="*/ 1971675 h 2190750"/>
-              <a:gd name="connsiteX3" fmla="*/ 547688 w 1095375"/>
-              <a:gd name="connsiteY3" fmla="*/ 2190750 h 2190750"/>
-              <a:gd name="connsiteX4" fmla="*/ 0 w 1095375"/>
-              <a:gd name="connsiteY4" fmla="*/ 1971675 h 2190750"/>
-              <a:gd name="connsiteX5" fmla="*/ 0 w 1095375"/>
-              <a:gd name="connsiteY5" fmla="*/ 1095375 h 2190750"/>
-              <a:gd name="connsiteX6" fmla="*/ 0 w 1095375"/>
-              <a:gd name="connsiteY6" fmla="*/ 219075 h 2190750"/>
-              <a:gd name="connsiteX7" fmla="*/ 547688 w 1095375"/>
-              <a:gd name="connsiteY7" fmla="*/ 0 h 2190750"/>
-            </a:gdLst>
-            <a:ahLst/>
-            <a:cxnLst>
-              <a:cxn ang="0">
-                <a:pos x="connsiteX0" y="connsiteY0"/>
-              </a:cxn>
-              <a:cxn ang="0">
-                <a:pos x="connsiteX1" y="connsiteY1"/>
-              </a:cxn>
-              <a:cxn ang="0">
-                <a:pos x="connsiteX2" y="connsiteY2"/>
-              </a:cxn>
-              <a:cxn ang="0">
-                <a:pos x="connsiteX3" y="connsiteY3"/>
-              </a:cxn>
-              <a:cxn ang="0">
-                <a:pos x="connsiteX4" y="connsiteY4"/>
-              </a:cxn>
-              <a:cxn ang="0">
-                <a:pos x="connsiteX5" y="connsiteY5"/>
-              </a:cxn>
-              <a:cxn ang="0">
-                <a:pos x="connsiteX6" y="connsiteY6"/>
-              </a:cxn>
-              <a:cxn ang="0">
-                <a:pos x="connsiteX7" y="connsiteY7"/>
-              </a:cxn>
-            </a:cxnLst>
-            <a:rect l="l" t="t" r="r" b="b"/>
-            <a:pathLst>
-              <a:path w="1095375" h="2190750">
-                <a:moveTo>
-                  <a:pt x="1095375" y="219075"/>
-                </a:moveTo>
-                <a:lnTo>
-                  <a:pt x="1095375" y="1095375"/>
-                </a:lnTo>
-                <a:lnTo>
-                  <a:pt x="1095375" y="1971675"/>
-                </a:lnTo>
-                <a:lnTo>
-                  <a:pt x="547688" y="2190750"/>
-                </a:lnTo>
-                <a:lnTo>
-                  <a:pt x="0" y="1971675"/>
-                </a:lnTo>
-                <a:lnTo>
-                  <a:pt x="0" y="1095375"/>
-                </a:lnTo>
-                <a:lnTo>
-                  <a:pt x="0" y="219075"/>
-                </a:lnTo>
-                <a:lnTo>
-                  <a:pt x="547688" y="0"/>
-                </a:lnTo>
-                <a:close/>
-              </a:path>
-            </a:pathLst>
-          </a:custGeom>
+          </a:prstGeom>
           <a:noFill/>
-          <a:ln>
+        </p:spPr>
+        <p:txBody>
+          <a:bodyPr wrap="square" lIns="0" tIns="0" rIns="0" bIns="0" rtlCol="0" anchor="ctr" anchorCtr="0">
+            <a:spAutoFit/>
+          </a:bodyPr>
+          <a:lstStyle/>
+          <a:p>
+            <a:pPr algn="ctr"/>
+            <a:r>
+              <a:rPr lang="zh-CN" altLang="en-US" sz="900" b="1">
+                <a:latin typeface="Consolas" panose="020B0609020204030204" pitchFamily="49" charset="0"/>
+                <a:cs typeface="Consolas" panose="020B0609020204030204" pitchFamily="49" charset="0"/>
+              </a:rPr>
+              <a:t>数据位</a:t>
+            </a:r>
+          </a:p>
+        </p:txBody>
+      </p:sp>
+      <p:sp>
+        <p:nvSpPr>
+          <p:cNvPr id="351" name="文本框 350">
+            <a:extLst>
+              <a:ext uri="{FF2B5EF4-FFF2-40B4-BE49-F238E27FC236}">
+                <a16:creationId xmlns:a16="http://schemas.microsoft.com/office/drawing/2014/main" id="{0F76E74A-C790-4D38-A4CD-ADB7E695DDF1}"/>
+              </a:ext>
+            </a:extLst>
+          </p:cNvPr>
+          <p:cNvSpPr txBox="1"/>
+          <p:nvPr/>
+        </p:nvSpPr>
+        <p:spPr>
+          <a:xfrm>
+            <a:off x="7424702" y="5483204"/>
+            <a:ext cx="683924" cy="138499"/>
+          </a:xfrm>
+          <a:prstGeom prst="rect">
+            <a:avLst/>
+          </a:prstGeom>
+          <a:noFill/>
+        </p:spPr>
+        <p:txBody>
+          <a:bodyPr wrap="square" lIns="0" tIns="0" rIns="0" bIns="0" rtlCol="0" anchor="ctr" anchorCtr="0">
+            <a:spAutoFit/>
+          </a:bodyPr>
+          <a:lstStyle/>
+          <a:p>
+            <a:pPr algn="ctr"/>
+            <a:r>
+              <a:rPr lang="zh-CN" altLang="en-US" sz="900" b="1">
+                <a:latin typeface="Consolas" panose="020B0609020204030204" pitchFamily="49" charset="0"/>
+                <a:cs typeface="Consolas" panose="020B0609020204030204" pitchFamily="49" charset="0"/>
+              </a:rPr>
+              <a:t>奇偶校验位</a:t>
+            </a:r>
+          </a:p>
+        </p:txBody>
+      </p:sp>
+      <p:sp>
+        <p:nvSpPr>
+          <p:cNvPr id="352" name="文本框 351">
+            <a:extLst>
+              <a:ext uri="{FF2B5EF4-FFF2-40B4-BE49-F238E27FC236}">
+                <a16:creationId xmlns:a16="http://schemas.microsoft.com/office/drawing/2014/main" id="{F60E399D-5661-4D9D-8ED9-CFA3BB1F1A94}"/>
+              </a:ext>
+            </a:extLst>
+          </p:cNvPr>
+          <p:cNvSpPr txBox="1"/>
+          <p:nvPr/>
+        </p:nvSpPr>
+        <p:spPr>
+          <a:xfrm>
+            <a:off x="3611183" y="5483204"/>
+            <a:ext cx="683924" cy="138499"/>
+          </a:xfrm>
+          <a:prstGeom prst="rect">
+            <a:avLst/>
+          </a:prstGeom>
+          <a:noFill/>
+        </p:spPr>
+        <p:txBody>
+          <a:bodyPr wrap="square" lIns="0" tIns="0" rIns="0" bIns="0" rtlCol="0" anchor="ctr" anchorCtr="0">
+            <a:spAutoFit/>
+          </a:bodyPr>
+          <a:lstStyle/>
+          <a:p>
+            <a:pPr algn="ctr"/>
+            <a:r>
+              <a:rPr lang="zh-CN" altLang="en-US" sz="900" b="1">
+                <a:latin typeface="Consolas" panose="020B0609020204030204" pitchFamily="49" charset="0"/>
+                <a:cs typeface="Consolas" panose="020B0609020204030204" pitchFamily="49" charset="0"/>
+              </a:rPr>
+              <a:t>起始位</a:t>
+            </a:r>
+          </a:p>
+        </p:txBody>
+      </p:sp>
+      <p:sp>
+        <p:nvSpPr>
+          <p:cNvPr id="353" name="文本框 352">
+            <a:extLst>
+              <a:ext uri="{FF2B5EF4-FFF2-40B4-BE49-F238E27FC236}">
+                <a16:creationId xmlns:a16="http://schemas.microsoft.com/office/drawing/2014/main" id="{9286861C-D4B9-48A8-B336-834C122B5D98}"/>
+              </a:ext>
+            </a:extLst>
+          </p:cNvPr>
+          <p:cNvSpPr txBox="1"/>
+          <p:nvPr/>
+        </p:nvSpPr>
+        <p:spPr>
+          <a:xfrm>
+            <a:off x="8108626" y="5483204"/>
+            <a:ext cx="683924" cy="138499"/>
+          </a:xfrm>
+          <a:prstGeom prst="rect">
+            <a:avLst/>
+          </a:prstGeom>
+          <a:noFill/>
+        </p:spPr>
+        <p:txBody>
+          <a:bodyPr wrap="square" lIns="0" tIns="0" rIns="0" bIns="0" rtlCol="0" anchor="ctr" anchorCtr="0">
+            <a:spAutoFit/>
+          </a:bodyPr>
+          <a:lstStyle/>
+          <a:p>
+            <a:pPr algn="ctr"/>
+            <a:r>
+              <a:rPr lang="zh-CN" altLang="en-US" sz="900" b="1">
+                <a:latin typeface="Consolas" panose="020B0609020204030204" pitchFamily="49" charset="0"/>
+                <a:cs typeface="Consolas" panose="020B0609020204030204" pitchFamily="49" charset="0"/>
+              </a:rPr>
+              <a:t>停止位</a:t>
+            </a:r>
+          </a:p>
+        </p:txBody>
+      </p:sp>
+      <p:cxnSp>
+        <p:nvCxnSpPr>
+          <p:cNvPr id="357" name="直接连接符 356">
+            <a:extLst>
+              <a:ext uri="{FF2B5EF4-FFF2-40B4-BE49-F238E27FC236}">
+                <a16:creationId xmlns:a16="http://schemas.microsoft.com/office/drawing/2014/main" id="{BC18988C-5B43-46A8-938B-DC15AA817827}"/>
+              </a:ext>
+            </a:extLst>
+          </p:cNvPr>
+          <p:cNvCxnSpPr>
+            <a:cxnSpLocks/>
+          </p:cNvCxnSpPr>
+          <p:nvPr/>
+        </p:nvCxnSpPr>
+        <p:spPr>
+          <a:xfrm flipV="1">
+            <a:off x="7744485" y="5186112"/>
+            <a:ext cx="0" cy="241828"/>
+          </a:xfrm>
+          <a:prstGeom prst="line">
+            <a:avLst/>
+          </a:prstGeom>
+          <a:ln w="3175" cap="rnd">
+            <a:solidFill>
+              <a:schemeClr val="tx1"/>
+            </a:solidFill>
+            <a:miter lim="800000"/>
+          </a:ln>
+        </p:spPr>
+        <p:style>
+          <a:lnRef idx="1">
+            <a:schemeClr val="accent1"/>
+          </a:lnRef>
+          <a:fillRef idx="0">
+            <a:schemeClr val="accent1"/>
+          </a:fillRef>
+          <a:effectRef idx="0">
+            <a:schemeClr val="accent1"/>
+          </a:effectRef>
+          <a:fontRef idx="minor">
+            <a:schemeClr val="tx1"/>
+          </a:fontRef>
+        </p:style>
+      </p:cxnSp>
+      <p:cxnSp>
+        <p:nvCxnSpPr>
+          <p:cNvPr id="358" name="直接连接符 357">
+            <a:extLst>
+              <a:ext uri="{FF2B5EF4-FFF2-40B4-BE49-F238E27FC236}">
+                <a16:creationId xmlns:a16="http://schemas.microsoft.com/office/drawing/2014/main" id="{4A8656E6-8045-4462-8A51-6F0C26F04B34}"/>
+              </a:ext>
+            </a:extLst>
+          </p:cNvPr>
+          <p:cNvCxnSpPr>
+            <a:cxnSpLocks/>
+          </p:cNvCxnSpPr>
+          <p:nvPr/>
+        </p:nvCxnSpPr>
+        <p:spPr>
+          <a:xfrm flipH="1" flipV="1">
+            <a:off x="8163194" y="5202033"/>
+            <a:ext cx="282123" cy="231771"/>
+          </a:xfrm>
+          <a:prstGeom prst="line">
+            <a:avLst/>
+          </a:prstGeom>
+          <a:ln w="3175" cap="rnd">
+            <a:solidFill>
+              <a:schemeClr val="tx1"/>
+            </a:solidFill>
+            <a:miter lim="800000"/>
+          </a:ln>
+        </p:spPr>
+        <p:style>
+          <a:lnRef idx="1">
+            <a:schemeClr val="accent1"/>
+          </a:lnRef>
+          <a:fillRef idx="0">
+            <a:schemeClr val="accent1"/>
+          </a:fillRef>
+          <a:effectRef idx="0">
+            <a:schemeClr val="accent1"/>
+          </a:effectRef>
+          <a:fontRef idx="minor">
+            <a:schemeClr val="tx1"/>
+          </a:fontRef>
+        </p:style>
+      </p:cxnSp>
+    </p:spTree>
+    <p:extLst>
+      <p:ext uri="{BB962C8B-B14F-4D97-AF65-F5344CB8AC3E}">
+        <p14:creationId xmlns:p14="http://schemas.microsoft.com/office/powerpoint/2010/main" val="1556379450"/>
+      </p:ext>
+    </p:extLst>
+  </p:cSld>
+  <p:clrMapOvr>
+    <a:masterClrMapping/>
+  </p:clrMapOvr>
+</p:sld>
+</file>
+
+<file path=ppt/slides/slide6.xml><?xml version="1.0" encoding="utf-8"?>
+<p:sld xmlns:a="http://schemas.openxmlformats.org/drawingml/2006/main" xmlns:r="http://schemas.openxmlformats.org/officeDocument/2006/relationships" xmlns:p="http://schemas.openxmlformats.org/presentationml/2006/main">
+  <p:cSld>
+    <p:spTree>
+      <p:nvGrpSpPr>
+        <p:cNvPr id="1" name=""/>
+        <p:cNvGrpSpPr/>
+        <p:nvPr/>
+      </p:nvGrpSpPr>
+      <p:grpSpPr>
+        <a:xfrm>
+          <a:off x="0" y="0"/>
+          <a:ext cx="0" cy="0"/>
+          <a:chOff x="0" y="0"/>
+          <a:chExt cx="0" cy="0"/>
+        </a:xfrm>
+      </p:grpSpPr>
+      <p:sp>
+        <p:nvSpPr>
+          <p:cNvPr id="9" name="矩形 8">
+            <a:extLst>
+              <a:ext uri="{FF2B5EF4-FFF2-40B4-BE49-F238E27FC236}">
+                <a16:creationId xmlns:a16="http://schemas.microsoft.com/office/drawing/2014/main" id="{A836AD07-08D5-4E4C-962E-02211ADB05A1}"/>
+              </a:ext>
+            </a:extLst>
+          </p:cNvPr>
+          <p:cNvSpPr/>
+          <p:nvPr/>
+        </p:nvSpPr>
+        <p:spPr>
+          <a:xfrm>
+            <a:off x="3953858" y="2185942"/>
+            <a:ext cx="1016104" cy="647347"/>
+          </a:xfrm>
+          <a:prstGeom prst="rect">
+            <a:avLst/>
+          </a:prstGeom>
+          <a:solidFill>
+            <a:schemeClr val="bg2"/>
+          </a:solidFill>
+          <a:ln w="6350">
             <a:solidFill>
               <a:schemeClr val="tx1"/>
             </a:solidFill>
@@ -36691,36 +38728,24 @@
           </a:fontRef>
         </p:style>
         <p:txBody>
-          <a:bodyPr vert="eaVert" lIns="0" tIns="0" rIns="0" bIns="0" rtlCol="0" anchor="ctr"/>
+          <a:bodyPr rtlCol="0" anchor="ctr"/>
           <a:lstStyle/>
           <a:p>
             <a:pPr algn="ctr"/>
-            <a:r>
-              <a:rPr lang="en-US" altLang="zh-CN" sz="700">
-                <a:solidFill>
-                  <a:schemeClr val="tx1"/>
-                </a:solidFill>
-                <a:latin typeface="Consolas" panose="020B0609020204030204" pitchFamily="49" charset="0"/>
-                <a:cs typeface="Consolas" panose="020B0609020204030204" pitchFamily="49" charset="0"/>
-              </a:rPr>
-              <a:t>bit4</a:t>
-            </a:r>
-            <a:endParaRPr lang="zh-CN" altLang="en-US" sz="700">
+            <a:endParaRPr lang="zh-CN" altLang="en-US" sz="800">
               <a:solidFill>
                 <a:schemeClr val="tx1"/>
               </a:solidFill>
-              <a:latin typeface="Consolas" panose="020B0609020204030204" pitchFamily="49" charset="0"/>
-              <a:cs typeface="Consolas" panose="020B0609020204030204" pitchFamily="49" charset="0"/>
             </a:endParaRPr>
           </a:p>
         </p:txBody>
       </p:sp>
       <p:sp>
         <p:nvSpPr>
-          <p:cNvPr id="217" name="任意多边形: 形状 216">
-            <a:extLst>
-              <a:ext uri="{FF2B5EF4-FFF2-40B4-BE49-F238E27FC236}">
-                <a16:creationId xmlns:a16="http://schemas.microsoft.com/office/drawing/2014/main" id="{28182282-C293-46AF-98A1-4D437329B9F9}"/>
+          <p:cNvPr id="10" name="矩形 9">
+            <a:extLst>
+              <a:ext uri="{FF2B5EF4-FFF2-40B4-BE49-F238E27FC236}">
+                <a16:creationId xmlns:a16="http://schemas.microsoft.com/office/drawing/2014/main" id="{BBFE4652-8191-47D3-9B6E-746F0C34AA8F}"/>
               </a:ext>
             </a:extLst>
           </p:cNvPr>
@@ -36728,90 +38753,17 @@
           <p:nvPr/>
         </p:nvSpPr>
         <p:spPr>
-          <a:xfrm rot="16200000">
-            <a:off x="6194755" y="3749318"/>
-            <a:ext cx="181265" cy="318956"/>
-          </a:xfrm>
-          <a:custGeom>
+          <a:xfrm>
+            <a:off x="6829165" y="2185942"/>
+            <a:ext cx="1016104" cy="647347"/>
+          </a:xfrm>
+          <a:prstGeom prst="rect">
             <a:avLst/>
-            <a:gdLst>
-              <a:gd name="connsiteX0" fmla="*/ 1095375 w 1095375"/>
-              <a:gd name="connsiteY0" fmla="*/ 219075 h 2190750"/>
-              <a:gd name="connsiteX1" fmla="*/ 1095375 w 1095375"/>
-              <a:gd name="connsiteY1" fmla="*/ 1095375 h 2190750"/>
-              <a:gd name="connsiteX2" fmla="*/ 1095375 w 1095375"/>
-              <a:gd name="connsiteY2" fmla="*/ 1971675 h 2190750"/>
-              <a:gd name="connsiteX3" fmla="*/ 547688 w 1095375"/>
-              <a:gd name="connsiteY3" fmla="*/ 2190750 h 2190750"/>
-              <a:gd name="connsiteX4" fmla="*/ 0 w 1095375"/>
-              <a:gd name="connsiteY4" fmla="*/ 1971675 h 2190750"/>
-              <a:gd name="connsiteX5" fmla="*/ 0 w 1095375"/>
-              <a:gd name="connsiteY5" fmla="*/ 1095375 h 2190750"/>
-              <a:gd name="connsiteX6" fmla="*/ 0 w 1095375"/>
-              <a:gd name="connsiteY6" fmla="*/ 219075 h 2190750"/>
-              <a:gd name="connsiteX7" fmla="*/ 547688 w 1095375"/>
-              <a:gd name="connsiteY7" fmla="*/ 0 h 2190750"/>
-            </a:gdLst>
-            <a:ahLst/>
-            <a:cxnLst>
-              <a:cxn ang="0">
-                <a:pos x="connsiteX0" y="connsiteY0"/>
-              </a:cxn>
-              <a:cxn ang="0">
-                <a:pos x="connsiteX1" y="connsiteY1"/>
-              </a:cxn>
-              <a:cxn ang="0">
-                <a:pos x="connsiteX2" y="connsiteY2"/>
-              </a:cxn>
-              <a:cxn ang="0">
-                <a:pos x="connsiteX3" y="connsiteY3"/>
-              </a:cxn>
-              <a:cxn ang="0">
-                <a:pos x="connsiteX4" y="connsiteY4"/>
-              </a:cxn>
-              <a:cxn ang="0">
-                <a:pos x="connsiteX5" y="connsiteY5"/>
-              </a:cxn>
-              <a:cxn ang="0">
-                <a:pos x="connsiteX6" y="connsiteY6"/>
-              </a:cxn>
-              <a:cxn ang="0">
-                <a:pos x="connsiteX7" y="connsiteY7"/>
-              </a:cxn>
-            </a:cxnLst>
-            <a:rect l="l" t="t" r="r" b="b"/>
-            <a:pathLst>
-              <a:path w="1095375" h="2190750">
-                <a:moveTo>
-                  <a:pt x="1095375" y="219075"/>
-                </a:moveTo>
-                <a:lnTo>
-                  <a:pt x="1095375" y="1095375"/>
-                </a:lnTo>
-                <a:lnTo>
-                  <a:pt x="1095375" y="1971675"/>
-                </a:lnTo>
-                <a:lnTo>
-                  <a:pt x="547688" y="2190750"/>
-                </a:lnTo>
-                <a:lnTo>
-                  <a:pt x="0" y="1971675"/>
-                </a:lnTo>
-                <a:lnTo>
-                  <a:pt x="0" y="1095375"/>
-                </a:lnTo>
-                <a:lnTo>
-                  <a:pt x="0" y="219075"/>
-                </a:lnTo>
-                <a:lnTo>
-                  <a:pt x="547688" y="0"/>
-                </a:lnTo>
-                <a:close/>
-              </a:path>
-            </a:pathLst>
-          </a:custGeom>
-          <a:noFill/>
-          <a:ln>
+          </a:prstGeom>
+          <a:solidFill>
+            <a:schemeClr val="bg2"/>
+          </a:solidFill>
+          <a:ln w="6350">
             <a:solidFill>
               <a:schemeClr val="tx1"/>
             </a:solidFill>
@@ -36834,751 +38786,24 @@
           </a:fontRef>
         </p:style>
         <p:txBody>
-          <a:bodyPr vert="eaVert" lIns="0" tIns="0" rIns="0" bIns="0" rtlCol="0" anchor="ctr"/>
+          <a:bodyPr rtlCol="0" anchor="ctr"/>
           <a:lstStyle/>
           <a:p>
             <a:pPr algn="ctr"/>
-            <a:r>
-              <a:rPr lang="en-US" altLang="zh-CN" sz="700">
-                <a:solidFill>
-                  <a:schemeClr val="tx1"/>
-                </a:solidFill>
-                <a:latin typeface="Consolas" panose="020B0609020204030204" pitchFamily="49" charset="0"/>
-                <a:cs typeface="Consolas" panose="020B0609020204030204" pitchFamily="49" charset="0"/>
-              </a:rPr>
-              <a:t>bit5</a:t>
-            </a:r>
-            <a:endParaRPr lang="zh-CN" altLang="en-US" sz="700">
+            <a:endParaRPr lang="zh-CN" altLang="en-US" sz="800">
               <a:solidFill>
                 <a:schemeClr val="tx1"/>
               </a:solidFill>
-              <a:latin typeface="Consolas" panose="020B0609020204030204" pitchFamily="49" charset="0"/>
-              <a:cs typeface="Consolas" panose="020B0609020204030204" pitchFamily="49" charset="0"/>
-            </a:endParaRPr>
-          </a:p>
-        </p:txBody>
-      </p:sp>
-      <p:sp>
-        <p:nvSpPr>
-          <p:cNvPr id="218" name="任意多边形: 形状 217">
-            <a:extLst>
-              <a:ext uri="{FF2B5EF4-FFF2-40B4-BE49-F238E27FC236}">
-                <a16:creationId xmlns:a16="http://schemas.microsoft.com/office/drawing/2014/main" id="{FA7A63E5-F601-4A4E-A676-0DF5632B31BB}"/>
-              </a:ext>
-            </a:extLst>
-          </p:cNvPr>
-          <p:cNvSpPr/>
-          <p:nvPr/>
-        </p:nvSpPr>
-        <p:spPr>
-          <a:xfrm rot="16200000">
-            <a:off x="6515934" y="3749318"/>
-            <a:ext cx="181265" cy="318956"/>
-          </a:xfrm>
-          <a:custGeom>
-            <a:avLst/>
-            <a:gdLst>
-              <a:gd name="connsiteX0" fmla="*/ 1095375 w 1095375"/>
-              <a:gd name="connsiteY0" fmla="*/ 219075 h 2190750"/>
-              <a:gd name="connsiteX1" fmla="*/ 1095375 w 1095375"/>
-              <a:gd name="connsiteY1" fmla="*/ 1095375 h 2190750"/>
-              <a:gd name="connsiteX2" fmla="*/ 1095375 w 1095375"/>
-              <a:gd name="connsiteY2" fmla="*/ 1971675 h 2190750"/>
-              <a:gd name="connsiteX3" fmla="*/ 547688 w 1095375"/>
-              <a:gd name="connsiteY3" fmla="*/ 2190750 h 2190750"/>
-              <a:gd name="connsiteX4" fmla="*/ 0 w 1095375"/>
-              <a:gd name="connsiteY4" fmla="*/ 1971675 h 2190750"/>
-              <a:gd name="connsiteX5" fmla="*/ 0 w 1095375"/>
-              <a:gd name="connsiteY5" fmla="*/ 1095375 h 2190750"/>
-              <a:gd name="connsiteX6" fmla="*/ 0 w 1095375"/>
-              <a:gd name="connsiteY6" fmla="*/ 219075 h 2190750"/>
-              <a:gd name="connsiteX7" fmla="*/ 547688 w 1095375"/>
-              <a:gd name="connsiteY7" fmla="*/ 0 h 2190750"/>
-            </a:gdLst>
-            <a:ahLst/>
-            <a:cxnLst>
-              <a:cxn ang="0">
-                <a:pos x="connsiteX0" y="connsiteY0"/>
-              </a:cxn>
-              <a:cxn ang="0">
-                <a:pos x="connsiteX1" y="connsiteY1"/>
-              </a:cxn>
-              <a:cxn ang="0">
-                <a:pos x="connsiteX2" y="connsiteY2"/>
-              </a:cxn>
-              <a:cxn ang="0">
-                <a:pos x="connsiteX3" y="connsiteY3"/>
-              </a:cxn>
-              <a:cxn ang="0">
-                <a:pos x="connsiteX4" y="connsiteY4"/>
-              </a:cxn>
-              <a:cxn ang="0">
-                <a:pos x="connsiteX5" y="connsiteY5"/>
-              </a:cxn>
-              <a:cxn ang="0">
-                <a:pos x="connsiteX6" y="connsiteY6"/>
-              </a:cxn>
-              <a:cxn ang="0">
-                <a:pos x="connsiteX7" y="connsiteY7"/>
-              </a:cxn>
-            </a:cxnLst>
-            <a:rect l="l" t="t" r="r" b="b"/>
-            <a:pathLst>
-              <a:path w="1095375" h="2190750">
-                <a:moveTo>
-                  <a:pt x="1095375" y="219075"/>
-                </a:moveTo>
-                <a:lnTo>
-                  <a:pt x="1095375" y="1095375"/>
-                </a:lnTo>
-                <a:lnTo>
-                  <a:pt x="1095375" y="1971675"/>
-                </a:lnTo>
-                <a:lnTo>
-                  <a:pt x="547688" y="2190750"/>
-                </a:lnTo>
-                <a:lnTo>
-                  <a:pt x="0" y="1971675"/>
-                </a:lnTo>
-                <a:lnTo>
-                  <a:pt x="0" y="1095375"/>
-                </a:lnTo>
-                <a:lnTo>
-                  <a:pt x="0" y="219075"/>
-                </a:lnTo>
-                <a:lnTo>
-                  <a:pt x="547688" y="0"/>
-                </a:lnTo>
-                <a:close/>
-              </a:path>
-            </a:pathLst>
-          </a:custGeom>
-          <a:noFill/>
-          <a:ln>
-            <a:solidFill>
-              <a:schemeClr val="tx1"/>
-            </a:solidFill>
-          </a:ln>
-        </p:spPr>
-        <p:style>
-          <a:lnRef idx="2">
-            <a:schemeClr val="accent1">
-              <a:shade val="50000"/>
-            </a:schemeClr>
-          </a:lnRef>
-          <a:fillRef idx="1">
-            <a:schemeClr val="accent1"/>
-          </a:fillRef>
-          <a:effectRef idx="0">
-            <a:schemeClr val="accent1"/>
-          </a:effectRef>
-          <a:fontRef idx="minor">
-            <a:schemeClr val="lt1"/>
-          </a:fontRef>
-        </p:style>
-        <p:txBody>
-          <a:bodyPr vert="eaVert" lIns="0" tIns="0" rIns="0" bIns="0" rtlCol="0" anchor="ctr"/>
-          <a:lstStyle/>
-          <a:p>
-            <a:pPr algn="ctr"/>
-            <a:r>
-              <a:rPr lang="en-US" altLang="zh-CN" sz="700">
-                <a:solidFill>
-                  <a:schemeClr val="tx1"/>
-                </a:solidFill>
-                <a:latin typeface="Consolas" panose="020B0609020204030204" pitchFamily="49" charset="0"/>
-                <a:cs typeface="Consolas" panose="020B0609020204030204" pitchFamily="49" charset="0"/>
-              </a:rPr>
-              <a:t>bit6</a:t>
-            </a:r>
-            <a:endParaRPr lang="zh-CN" altLang="en-US" sz="700">
-              <a:solidFill>
-                <a:schemeClr val="tx1"/>
-              </a:solidFill>
-              <a:latin typeface="Consolas" panose="020B0609020204030204" pitchFamily="49" charset="0"/>
-              <a:cs typeface="Consolas" panose="020B0609020204030204" pitchFamily="49" charset="0"/>
-            </a:endParaRPr>
-          </a:p>
-        </p:txBody>
-      </p:sp>
-      <p:sp>
-        <p:nvSpPr>
-          <p:cNvPr id="219" name="任意多边形: 形状 218">
-            <a:extLst>
-              <a:ext uri="{FF2B5EF4-FFF2-40B4-BE49-F238E27FC236}">
-                <a16:creationId xmlns:a16="http://schemas.microsoft.com/office/drawing/2014/main" id="{6827A6B0-50B5-47A8-8A6A-82FD6E49C572}"/>
-              </a:ext>
-            </a:extLst>
-          </p:cNvPr>
-          <p:cNvSpPr/>
-          <p:nvPr/>
-        </p:nvSpPr>
-        <p:spPr>
-          <a:xfrm rot="16200000">
-            <a:off x="6837113" y="3749318"/>
-            <a:ext cx="181265" cy="318956"/>
-          </a:xfrm>
-          <a:custGeom>
-            <a:avLst/>
-            <a:gdLst>
-              <a:gd name="connsiteX0" fmla="*/ 1095375 w 1095375"/>
-              <a:gd name="connsiteY0" fmla="*/ 219075 h 2190750"/>
-              <a:gd name="connsiteX1" fmla="*/ 1095375 w 1095375"/>
-              <a:gd name="connsiteY1" fmla="*/ 1095375 h 2190750"/>
-              <a:gd name="connsiteX2" fmla="*/ 1095375 w 1095375"/>
-              <a:gd name="connsiteY2" fmla="*/ 1971675 h 2190750"/>
-              <a:gd name="connsiteX3" fmla="*/ 547688 w 1095375"/>
-              <a:gd name="connsiteY3" fmla="*/ 2190750 h 2190750"/>
-              <a:gd name="connsiteX4" fmla="*/ 0 w 1095375"/>
-              <a:gd name="connsiteY4" fmla="*/ 1971675 h 2190750"/>
-              <a:gd name="connsiteX5" fmla="*/ 0 w 1095375"/>
-              <a:gd name="connsiteY5" fmla="*/ 1095375 h 2190750"/>
-              <a:gd name="connsiteX6" fmla="*/ 0 w 1095375"/>
-              <a:gd name="connsiteY6" fmla="*/ 219075 h 2190750"/>
-              <a:gd name="connsiteX7" fmla="*/ 547688 w 1095375"/>
-              <a:gd name="connsiteY7" fmla="*/ 0 h 2190750"/>
-            </a:gdLst>
-            <a:ahLst/>
-            <a:cxnLst>
-              <a:cxn ang="0">
-                <a:pos x="connsiteX0" y="connsiteY0"/>
-              </a:cxn>
-              <a:cxn ang="0">
-                <a:pos x="connsiteX1" y="connsiteY1"/>
-              </a:cxn>
-              <a:cxn ang="0">
-                <a:pos x="connsiteX2" y="connsiteY2"/>
-              </a:cxn>
-              <a:cxn ang="0">
-                <a:pos x="connsiteX3" y="connsiteY3"/>
-              </a:cxn>
-              <a:cxn ang="0">
-                <a:pos x="connsiteX4" y="connsiteY4"/>
-              </a:cxn>
-              <a:cxn ang="0">
-                <a:pos x="connsiteX5" y="connsiteY5"/>
-              </a:cxn>
-              <a:cxn ang="0">
-                <a:pos x="connsiteX6" y="connsiteY6"/>
-              </a:cxn>
-              <a:cxn ang="0">
-                <a:pos x="connsiteX7" y="connsiteY7"/>
-              </a:cxn>
-            </a:cxnLst>
-            <a:rect l="l" t="t" r="r" b="b"/>
-            <a:pathLst>
-              <a:path w="1095375" h="2190750">
-                <a:moveTo>
-                  <a:pt x="1095375" y="219075"/>
-                </a:moveTo>
-                <a:lnTo>
-                  <a:pt x="1095375" y="1095375"/>
-                </a:lnTo>
-                <a:lnTo>
-                  <a:pt x="1095375" y="1971675"/>
-                </a:lnTo>
-                <a:lnTo>
-                  <a:pt x="547688" y="2190750"/>
-                </a:lnTo>
-                <a:lnTo>
-                  <a:pt x="0" y="1971675"/>
-                </a:lnTo>
-                <a:lnTo>
-                  <a:pt x="0" y="1095375"/>
-                </a:lnTo>
-                <a:lnTo>
-                  <a:pt x="0" y="219075"/>
-                </a:lnTo>
-                <a:lnTo>
-                  <a:pt x="547688" y="0"/>
-                </a:lnTo>
-                <a:close/>
-              </a:path>
-            </a:pathLst>
-          </a:custGeom>
-          <a:noFill/>
-          <a:ln>
-            <a:solidFill>
-              <a:schemeClr val="tx1"/>
-            </a:solidFill>
-          </a:ln>
-        </p:spPr>
-        <p:style>
-          <a:lnRef idx="2">
-            <a:schemeClr val="accent1">
-              <a:shade val="50000"/>
-            </a:schemeClr>
-          </a:lnRef>
-          <a:fillRef idx="1">
-            <a:schemeClr val="accent1"/>
-          </a:fillRef>
-          <a:effectRef idx="0">
-            <a:schemeClr val="accent1"/>
-          </a:effectRef>
-          <a:fontRef idx="minor">
-            <a:schemeClr val="lt1"/>
-          </a:fontRef>
-        </p:style>
-        <p:txBody>
-          <a:bodyPr vert="eaVert" lIns="0" tIns="0" rIns="0" bIns="0" rtlCol="0" anchor="ctr"/>
-          <a:lstStyle/>
-          <a:p>
-            <a:pPr algn="ctr"/>
-            <a:r>
-              <a:rPr lang="en-US" altLang="zh-CN" sz="700">
-                <a:solidFill>
-                  <a:schemeClr val="tx1"/>
-                </a:solidFill>
-                <a:latin typeface="Consolas" panose="020B0609020204030204" pitchFamily="49" charset="0"/>
-                <a:cs typeface="Consolas" panose="020B0609020204030204" pitchFamily="49" charset="0"/>
-              </a:rPr>
-              <a:t>bit7</a:t>
-            </a:r>
-            <a:endParaRPr lang="zh-CN" altLang="en-US" sz="700">
-              <a:solidFill>
-                <a:schemeClr val="tx1"/>
-              </a:solidFill>
-              <a:latin typeface="Consolas" panose="020B0609020204030204" pitchFamily="49" charset="0"/>
-              <a:cs typeface="Consolas" panose="020B0609020204030204" pitchFamily="49" charset="0"/>
-            </a:endParaRPr>
-          </a:p>
-        </p:txBody>
-      </p:sp>
-      <p:sp>
-        <p:nvSpPr>
-          <p:cNvPr id="220" name="任意多边形: 形状 219">
-            <a:extLst>
-              <a:ext uri="{FF2B5EF4-FFF2-40B4-BE49-F238E27FC236}">
-                <a16:creationId xmlns:a16="http://schemas.microsoft.com/office/drawing/2014/main" id="{76CD5AD6-867D-4FD8-A236-8D7D3C7A7F78}"/>
-              </a:ext>
-            </a:extLst>
-          </p:cNvPr>
-          <p:cNvSpPr/>
-          <p:nvPr/>
-        </p:nvSpPr>
-        <p:spPr>
-          <a:xfrm rot="16200000">
-            <a:off x="7158292" y="3749318"/>
-            <a:ext cx="181265" cy="318956"/>
-          </a:xfrm>
-          <a:custGeom>
-            <a:avLst/>
-            <a:gdLst>
-              <a:gd name="connsiteX0" fmla="*/ 1095375 w 1095375"/>
-              <a:gd name="connsiteY0" fmla="*/ 219075 h 2190750"/>
-              <a:gd name="connsiteX1" fmla="*/ 1095375 w 1095375"/>
-              <a:gd name="connsiteY1" fmla="*/ 1095375 h 2190750"/>
-              <a:gd name="connsiteX2" fmla="*/ 1095375 w 1095375"/>
-              <a:gd name="connsiteY2" fmla="*/ 1971675 h 2190750"/>
-              <a:gd name="connsiteX3" fmla="*/ 547688 w 1095375"/>
-              <a:gd name="connsiteY3" fmla="*/ 2190750 h 2190750"/>
-              <a:gd name="connsiteX4" fmla="*/ 0 w 1095375"/>
-              <a:gd name="connsiteY4" fmla="*/ 1971675 h 2190750"/>
-              <a:gd name="connsiteX5" fmla="*/ 0 w 1095375"/>
-              <a:gd name="connsiteY5" fmla="*/ 1095375 h 2190750"/>
-              <a:gd name="connsiteX6" fmla="*/ 0 w 1095375"/>
-              <a:gd name="connsiteY6" fmla="*/ 219075 h 2190750"/>
-              <a:gd name="connsiteX7" fmla="*/ 547688 w 1095375"/>
-              <a:gd name="connsiteY7" fmla="*/ 0 h 2190750"/>
-            </a:gdLst>
-            <a:ahLst/>
-            <a:cxnLst>
-              <a:cxn ang="0">
-                <a:pos x="connsiteX0" y="connsiteY0"/>
-              </a:cxn>
-              <a:cxn ang="0">
-                <a:pos x="connsiteX1" y="connsiteY1"/>
-              </a:cxn>
-              <a:cxn ang="0">
-                <a:pos x="connsiteX2" y="connsiteY2"/>
-              </a:cxn>
-              <a:cxn ang="0">
-                <a:pos x="connsiteX3" y="connsiteY3"/>
-              </a:cxn>
-              <a:cxn ang="0">
-                <a:pos x="connsiteX4" y="connsiteY4"/>
-              </a:cxn>
-              <a:cxn ang="0">
-                <a:pos x="connsiteX5" y="connsiteY5"/>
-              </a:cxn>
-              <a:cxn ang="0">
-                <a:pos x="connsiteX6" y="connsiteY6"/>
-              </a:cxn>
-              <a:cxn ang="0">
-                <a:pos x="connsiteX7" y="connsiteY7"/>
-              </a:cxn>
-            </a:cxnLst>
-            <a:rect l="l" t="t" r="r" b="b"/>
-            <a:pathLst>
-              <a:path w="1095375" h="2190750">
-                <a:moveTo>
-                  <a:pt x="1095375" y="219075"/>
-                </a:moveTo>
-                <a:lnTo>
-                  <a:pt x="1095375" y="1095375"/>
-                </a:lnTo>
-                <a:lnTo>
-                  <a:pt x="1095375" y="1971675"/>
-                </a:lnTo>
-                <a:lnTo>
-                  <a:pt x="547688" y="2190750"/>
-                </a:lnTo>
-                <a:lnTo>
-                  <a:pt x="0" y="1971675"/>
-                </a:lnTo>
-                <a:lnTo>
-                  <a:pt x="0" y="1095375"/>
-                </a:lnTo>
-                <a:lnTo>
-                  <a:pt x="0" y="219075"/>
-                </a:lnTo>
-                <a:lnTo>
-                  <a:pt x="547688" y="0"/>
-                </a:lnTo>
-                <a:close/>
-              </a:path>
-            </a:pathLst>
-          </a:custGeom>
-          <a:noFill/>
-          <a:ln>
-            <a:solidFill>
-              <a:schemeClr val="tx1"/>
-            </a:solidFill>
-          </a:ln>
-        </p:spPr>
-        <p:style>
-          <a:lnRef idx="2">
-            <a:schemeClr val="accent1">
-              <a:shade val="50000"/>
-            </a:schemeClr>
-          </a:lnRef>
-          <a:fillRef idx="1">
-            <a:schemeClr val="accent1"/>
-          </a:fillRef>
-          <a:effectRef idx="0">
-            <a:schemeClr val="accent1"/>
-          </a:effectRef>
-          <a:fontRef idx="minor">
-            <a:schemeClr val="lt1"/>
-          </a:fontRef>
-        </p:style>
-        <p:txBody>
-          <a:bodyPr vert="eaVert" lIns="0" tIns="0" rIns="0" bIns="0" rtlCol="0" anchor="ctr"/>
-          <a:lstStyle/>
-          <a:p>
-            <a:pPr algn="ctr"/>
-            <a:r>
-              <a:rPr lang="en-US" altLang="zh-CN" sz="700">
-                <a:solidFill>
-                  <a:schemeClr val="tx1"/>
-                </a:solidFill>
-                <a:latin typeface="Consolas" panose="020B0609020204030204" pitchFamily="49" charset="0"/>
-                <a:cs typeface="Consolas" panose="020B0609020204030204" pitchFamily="49" charset="0"/>
-              </a:rPr>
-              <a:t>bit8</a:t>
-            </a:r>
-            <a:endParaRPr lang="zh-CN" altLang="en-US" sz="700">
-              <a:solidFill>
-                <a:schemeClr val="tx1"/>
-              </a:solidFill>
-              <a:latin typeface="Consolas" panose="020B0609020204030204" pitchFamily="49" charset="0"/>
-              <a:cs typeface="Consolas" panose="020B0609020204030204" pitchFamily="49" charset="0"/>
-            </a:endParaRPr>
-          </a:p>
-        </p:txBody>
-      </p:sp>
-      <p:sp>
-        <p:nvSpPr>
-          <p:cNvPr id="221" name="任意多边形: 形状 220">
-            <a:extLst>
-              <a:ext uri="{FF2B5EF4-FFF2-40B4-BE49-F238E27FC236}">
-                <a16:creationId xmlns:a16="http://schemas.microsoft.com/office/drawing/2014/main" id="{1F015BDD-D6C0-46E9-92BC-28326379773A}"/>
-              </a:ext>
-            </a:extLst>
-          </p:cNvPr>
-          <p:cNvSpPr/>
-          <p:nvPr/>
-        </p:nvSpPr>
-        <p:spPr>
-          <a:xfrm rot="16200000">
-            <a:off x="7479469" y="3749318"/>
-            <a:ext cx="181265" cy="318956"/>
-          </a:xfrm>
-          <a:custGeom>
-            <a:avLst/>
-            <a:gdLst>
-              <a:gd name="connsiteX0" fmla="*/ 1095375 w 1095375"/>
-              <a:gd name="connsiteY0" fmla="*/ 219075 h 2190750"/>
-              <a:gd name="connsiteX1" fmla="*/ 1095375 w 1095375"/>
-              <a:gd name="connsiteY1" fmla="*/ 1095375 h 2190750"/>
-              <a:gd name="connsiteX2" fmla="*/ 1095375 w 1095375"/>
-              <a:gd name="connsiteY2" fmla="*/ 1971675 h 2190750"/>
-              <a:gd name="connsiteX3" fmla="*/ 547688 w 1095375"/>
-              <a:gd name="connsiteY3" fmla="*/ 2190750 h 2190750"/>
-              <a:gd name="connsiteX4" fmla="*/ 0 w 1095375"/>
-              <a:gd name="connsiteY4" fmla="*/ 1971675 h 2190750"/>
-              <a:gd name="connsiteX5" fmla="*/ 0 w 1095375"/>
-              <a:gd name="connsiteY5" fmla="*/ 1095375 h 2190750"/>
-              <a:gd name="connsiteX6" fmla="*/ 0 w 1095375"/>
-              <a:gd name="connsiteY6" fmla="*/ 219075 h 2190750"/>
-              <a:gd name="connsiteX7" fmla="*/ 547688 w 1095375"/>
-              <a:gd name="connsiteY7" fmla="*/ 0 h 2190750"/>
-            </a:gdLst>
-            <a:ahLst/>
-            <a:cxnLst>
-              <a:cxn ang="0">
-                <a:pos x="connsiteX0" y="connsiteY0"/>
-              </a:cxn>
-              <a:cxn ang="0">
-                <a:pos x="connsiteX1" y="connsiteY1"/>
-              </a:cxn>
-              <a:cxn ang="0">
-                <a:pos x="connsiteX2" y="connsiteY2"/>
-              </a:cxn>
-              <a:cxn ang="0">
-                <a:pos x="connsiteX3" y="connsiteY3"/>
-              </a:cxn>
-              <a:cxn ang="0">
-                <a:pos x="connsiteX4" y="connsiteY4"/>
-              </a:cxn>
-              <a:cxn ang="0">
-                <a:pos x="connsiteX5" y="connsiteY5"/>
-              </a:cxn>
-              <a:cxn ang="0">
-                <a:pos x="connsiteX6" y="connsiteY6"/>
-              </a:cxn>
-              <a:cxn ang="0">
-                <a:pos x="connsiteX7" y="connsiteY7"/>
-              </a:cxn>
-            </a:cxnLst>
-            <a:rect l="l" t="t" r="r" b="b"/>
-            <a:pathLst>
-              <a:path w="1095375" h="2190750">
-                <a:moveTo>
-                  <a:pt x="1095375" y="219075"/>
-                </a:moveTo>
-                <a:lnTo>
-                  <a:pt x="1095375" y="1095375"/>
-                </a:lnTo>
-                <a:lnTo>
-                  <a:pt x="1095375" y="1971675"/>
-                </a:lnTo>
-                <a:lnTo>
-                  <a:pt x="547688" y="2190750"/>
-                </a:lnTo>
-                <a:lnTo>
-                  <a:pt x="0" y="1971675"/>
-                </a:lnTo>
-                <a:lnTo>
-                  <a:pt x="0" y="1095375"/>
-                </a:lnTo>
-                <a:lnTo>
-                  <a:pt x="0" y="219075"/>
-                </a:lnTo>
-                <a:lnTo>
-                  <a:pt x="547688" y="0"/>
-                </a:lnTo>
-                <a:close/>
-              </a:path>
-            </a:pathLst>
-          </a:custGeom>
-          <a:noFill/>
-          <a:ln>
-            <a:solidFill>
-              <a:schemeClr val="tx1"/>
-            </a:solidFill>
-          </a:ln>
-        </p:spPr>
-        <p:style>
-          <a:lnRef idx="2">
-            <a:schemeClr val="accent1">
-              <a:shade val="50000"/>
-            </a:schemeClr>
-          </a:lnRef>
-          <a:fillRef idx="1">
-            <a:schemeClr val="accent1"/>
-          </a:fillRef>
-          <a:effectRef idx="0">
-            <a:schemeClr val="accent1"/>
-          </a:effectRef>
-          <a:fontRef idx="minor">
-            <a:schemeClr val="lt1"/>
-          </a:fontRef>
-        </p:style>
-        <p:txBody>
-          <a:bodyPr vert="eaVert" lIns="0" tIns="0" rIns="0" bIns="0" rtlCol="0" anchor="ctr"/>
-          <a:lstStyle/>
-          <a:p>
-            <a:pPr algn="ctr"/>
-            <a:r>
-              <a:rPr lang="en-US" altLang="zh-CN" sz="700">
-                <a:solidFill>
-                  <a:schemeClr val="tx1"/>
-                </a:solidFill>
-                <a:latin typeface="Consolas" panose="020B0609020204030204" pitchFamily="49" charset="0"/>
-                <a:cs typeface="Consolas" panose="020B0609020204030204" pitchFamily="49" charset="0"/>
-              </a:rPr>
-              <a:t>stop</a:t>
-            </a:r>
-            <a:endParaRPr lang="zh-CN" altLang="en-US" sz="700">
-              <a:solidFill>
-                <a:schemeClr val="tx1"/>
-              </a:solidFill>
-              <a:latin typeface="Consolas" panose="020B0609020204030204" pitchFamily="49" charset="0"/>
-              <a:cs typeface="Consolas" panose="020B0609020204030204" pitchFamily="49" charset="0"/>
-            </a:endParaRPr>
-          </a:p>
-        </p:txBody>
-      </p:sp>
-      <p:sp>
-        <p:nvSpPr>
-          <p:cNvPr id="222" name="任意多边形: 形状 221">
-            <a:extLst>
-              <a:ext uri="{FF2B5EF4-FFF2-40B4-BE49-F238E27FC236}">
-                <a16:creationId xmlns:a16="http://schemas.microsoft.com/office/drawing/2014/main" id="{6ACD1C2F-90AF-4B07-8823-1E6B85F436D1}"/>
-              </a:ext>
-            </a:extLst>
-          </p:cNvPr>
-          <p:cNvSpPr/>
-          <p:nvPr/>
-        </p:nvSpPr>
-        <p:spPr>
-          <a:xfrm rot="16200000">
-            <a:off x="4588860" y="3749318"/>
-            <a:ext cx="181265" cy="318956"/>
-          </a:xfrm>
-          <a:custGeom>
-            <a:avLst/>
-            <a:gdLst>
-              <a:gd name="connsiteX0" fmla="*/ 1095375 w 1095375"/>
-              <a:gd name="connsiteY0" fmla="*/ 219075 h 2190750"/>
-              <a:gd name="connsiteX1" fmla="*/ 1095375 w 1095375"/>
-              <a:gd name="connsiteY1" fmla="*/ 1095375 h 2190750"/>
-              <a:gd name="connsiteX2" fmla="*/ 1095375 w 1095375"/>
-              <a:gd name="connsiteY2" fmla="*/ 1971675 h 2190750"/>
-              <a:gd name="connsiteX3" fmla="*/ 547688 w 1095375"/>
-              <a:gd name="connsiteY3" fmla="*/ 2190750 h 2190750"/>
-              <a:gd name="connsiteX4" fmla="*/ 0 w 1095375"/>
-              <a:gd name="connsiteY4" fmla="*/ 1971675 h 2190750"/>
-              <a:gd name="connsiteX5" fmla="*/ 0 w 1095375"/>
-              <a:gd name="connsiteY5" fmla="*/ 1095375 h 2190750"/>
-              <a:gd name="connsiteX6" fmla="*/ 0 w 1095375"/>
-              <a:gd name="connsiteY6" fmla="*/ 219075 h 2190750"/>
-              <a:gd name="connsiteX7" fmla="*/ 547688 w 1095375"/>
-              <a:gd name="connsiteY7" fmla="*/ 0 h 2190750"/>
-            </a:gdLst>
-            <a:ahLst/>
-            <a:cxnLst>
-              <a:cxn ang="0">
-                <a:pos x="connsiteX0" y="connsiteY0"/>
-              </a:cxn>
-              <a:cxn ang="0">
-                <a:pos x="connsiteX1" y="connsiteY1"/>
-              </a:cxn>
-              <a:cxn ang="0">
-                <a:pos x="connsiteX2" y="connsiteY2"/>
-              </a:cxn>
-              <a:cxn ang="0">
-                <a:pos x="connsiteX3" y="connsiteY3"/>
-              </a:cxn>
-              <a:cxn ang="0">
-                <a:pos x="connsiteX4" y="connsiteY4"/>
-              </a:cxn>
-              <a:cxn ang="0">
-                <a:pos x="connsiteX5" y="connsiteY5"/>
-              </a:cxn>
-              <a:cxn ang="0">
-                <a:pos x="connsiteX6" y="connsiteY6"/>
-              </a:cxn>
-              <a:cxn ang="0">
-                <a:pos x="connsiteX7" y="connsiteY7"/>
-              </a:cxn>
-            </a:cxnLst>
-            <a:rect l="l" t="t" r="r" b="b"/>
-            <a:pathLst>
-              <a:path w="1095375" h="2190750">
-                <a:moveTo>
-                  <a:pt x="1095375" y="219075"/>
-                </a:moveTo>
-                <a:lnTo>
-                  <a:pt x="1095375" y="1095375"/>
-                </a:lnTo>
-                <a:lnTo>
-                  <a:pt x="1095375" y="1971675"/>
-                </a:lnTo>
-                <a:lnTo>
-                  <a:pt x="547688" y="2190750"/>
-                </a:lnTo>
-                <a:lnTo>
-                  <a:pt x="0" y="1971675"/>
-                </a:lnTo>
-                <a:lnTo>
-                  <a:pt x="0" y="1095375"/>
-                </a:lnTo>
-                <a:lnTo>
-                  <a:pt x="0" y="219075"/>
-                </a:lnTo>
-                <a:lnTo>
-                  <a:pt x="547688" y="0"/>
-                </a:lnTo>
-                <a:close/>
-              </a:path>
-            </a:pathLst>
-          </a:custGeom>
-          <a:noFill/>
-          <a:ln>
-            <a:solidFill>
-              <a:schemeClr val="tx1"/>
-            </a:solidFill>
-          </a:ln>
-        </p:spPr>
-        <p:style>
-          <a:lnRef idx="2">
-            <a:schemeClr val="accent1">
-              <a:shade val="50000"/>
-            </a:schemeClr>
-          </a:lnRef>
-          <a:fillRef idx="1">
-            <a:schemeClr val="accent1"/>
-          </a:fillRef>
-          <a:effectRef idx="0">
-            <a:schemeClr val="accent1"/>
-          </a:effectRef>
-          <a:fontRef idx="minor">
-            <a:schemeClr val="lt1"/>
-          </a:fontRef>
-        </p:style>
-        <p:txBody>
-          <a:bodyPr vert="eaVert" lIns="0" tIns="0" rIns="0" bIns="0" rtlCol="0" anchor="ctr"/>
-          <a:lstStyle/>
-          <a:p>
-            <a:pPr algn="ctr"/>
-            <a:r>
-              <a:rPr lang="en-US" altLang="zh-CN" sz="700">
-                <a:solidFill>
-                  <a:schemeClr val="tx1"/>
-                </a:solidFill>
-                <a:latin typeface="Consolas" panose="020B0609020204030204" pitchFamily="49" charset="0"/>
-                <a:cs typeface="Consolas" panose="020B0609020204030204" pitchFamily="49" charset="0"/>
-              </a:rPr>
-              <a:t>start</a:t>
-            </a:r>
-            <a:endParaRPr lang="zh-CN" altLang="en-US" sz="700">
-              <a:solidFill>
-                <a:schemeClr val="tx1"/>
-              </a:solidFill>
-              <a:latin typeface="Consolas" panose="020B0609020204030204" pitchFamily="49" charset="0"/>
-              <a:cs typeface="Consolas" panose="020B0609020204030204" pitchFamily="49" charset="0"/>
             </a:endParaRPr>
           </a:p>
         </p:txBody>
       </p:sp>
       <p:grpSp>
         <p:nvGrpSpPr>
-          <p:cNvPr id="88" name="组合 87">
-            <a:extLst>
-              <a:ext uri="{FF2B5EF4-FFF2-40B4-BE49-F238E27FC236}">
-                <a16:creationId xmlns:a16="http://schemas.microsoft.com/office/drawing/2014/main" id="{8591167E-B9E1-4693-8DBC-6764DC8C0D5A}"/>
+          <p:cNvPr id="23" name="组合 22">
+            <a:extLst>
+              <a:ext uri="{FF2B5EF4-FFF2-40B4-BE49-F238E27FC236}">
+                <a16:creationId xmlns:a16="http://schemas.microsoft.com/office/drawing/2014/main" id="{373B3ACA-D114-41F2-9F96-FC1768E73EF3}"/>
               </a:ext>
             </a:extLst>
           </p:cNvPr>
@@ -37587,18 +38812,18 @@
         </p:nvGrpSpPr>
         <p:grpSpPr>
           <a:xfrm>
-            <a:off x="4500763" y="3148129"/>
-            <a:ext cx="357458" cy="246187"/>
-            <a:chOff x="4481513" y="3411176"/>
-            <a:chExt cx="519005" cy="246187"/>
+            <a:off x="4756563" y="2271018"/>
+            <a:ext cx="2285654" cy="477195"/>
+            <a:chOff x="4756563" y="2282961"/>
+            <a:chExt cx="2285654" cy="477195"/>
           </a:xfrm>
         </p:grpSpPr>
         <p:cxnSp>
           <p:nvCxnSpPr>
-            <p:cNvPr id="223" name="直接连接符 222">
+            <p:cNvPr id="7" name="直接连接符 6">
               <a:extLst>
                 <a:ext uri="{FF2B5EF4-FFF2-40B4-BE49-F238E27FC236}">
-                  <a16:creationId xmlns:a16="http://schemas.microsoft.com/office/drawing/2014/main" id="{29D8C756-3942-42A4-A7C6-6BEC54085F76}"/>
+                  <a16:creationId xmlns:a16="http://schemas.microsoft.com/office/drawing/2014/main" id="{B15C3080-180F-49EB-A20F-2B879F9E21AF}"/>
                 </a:ext>
               </a:extLst>
             </p:cNvPr>
@@ -37609,16 +38834,17 @@
           </p:nvCxnSpPr>
           <p:spPr>
             <a:xfrm>
-              <a:off x="4481513" y="3657362"/>
-              <a:ext cx="32521" cy="0"/>
+              <a:off x="4969968" y="2359905"/>
+              <a:ext cx="1866324" cy="0"/>
             </a:xfrm>
             <a:prstGeom prst="line">
               <a:avLst/>
             </a:prstGeom>
-            <a:ln>
+            <a:ln w="12700">
               <a:solidFill>
                 <a:schemeClr val="tx1"/>
               </a:solidFill>
+              <a:tailEnd type="stealth"/>
             </a:ln>
           </p:spPr>
           <p:style>
@@ -37638,953 +38864,10 @@
         </p:cxnSp>
         <p:cxnSp>
           <p:nvCxnSpPr>
-            <p:cNvPr id="224" name="直接连接符 223">
+            <p:cNvPr id="8" name="直接连接符 7">
               <a:extLst>
                 <a:ext uri="{FF2B5EF4-FFF2-40B4-BE49-F238E27FC236}">
-                  <a16:creationId xmlns:a16="http://schemas.microsoft.com/office/drawing/2014/main" id="{FD809335-4C18-4405-8CF1-F68898677158}"/>
-                </a:ext>
-              </a:extLst>
-            </p:cNvPr>
-            <p:cNvCxnSpPr/>
-            <p:nvPr/>
-          </p:nvCxnSpPr>
-          <p:spPr>
-            <a:xfrm>
-              <a:off x="4514034" y="3411177"/>
-              <a:ext cx="40401" cy="0"/>
-            </a:xfrm>
-            <a:prstGeom prst="line">
-              <a:avLst/>
-            </a:prstGeom>
-            <a:ln>
-              <a:solidFill>
-                <a:schemeClr val="tx1"/>
-              </a:solidFill>
-            </a:ln>
-          </p:spPr>
-          <p:style>
-            <a:lnRef idx="1">
-              <a:schemeClr val="accent1"/>
-            </a:lnRef>
-            <a:fillRef idx="0">
-              <a:schemeClr val="accent1"/>
-            </a:fillRef>
-            <a:effectRef idx="0">
-              <a:schemeClr val="accent1"/>
-            </a:effectRef>
-            <a:fontRef idx="minor">
-              <a:schemeClr val="tx1"/>
-            </a:fontRef>
-          </p:style>
-        </p:cxnSp>
-        <p:cxnSp>
-          <p:nvCxnSpPr>
-            <p:cNvPr id="225" name="直接连接符 224">
-              <a:extLst>
-                <a:ext uri="{FF2B5EF4-FFF2-40B4-BE49-F238E27FC236}">
-                  <a16:creationId xmlns:a16="http://schemas.microsoft.com/office/drawing/2014/main" id="{6CD80843-EE7E-44BD-907B-A754FA4DFDB6}"/>
-                </a:ext>
-              </a:extLst>
-            </p:cNvPr>
-            <p:cNvCxnSpPr/>
-            <p:nvPr/>
-          </p:nvCxnSpPr>
-          <p:spPr>
-            <a:xfrm>
-              <a:off x="4514034" y="3411177"/>
-              <a:ext cx="0" cy="246185"/>
-            </a:xfrm>
-            <a:prstGeom prst="line">
-              <a:avLst/>
-            </a:prstGeom>
-            <a:ln>
-              <a:solidFill>
-                <a:schemeClr val="tx1"/>
-              </a:solidFill>
-            </a:ln>
-          </p:spPr>
-          <p:style>
-            <a:lnRef idx="1">
-              <a:schemeClr val="accent1"/>
-            </a:lnRef>
-            <a:fillRef idx="0">
-              <a:schemeClr val="accent1"/>
-            </a:fillRef>
-            <a:effectRef idx="0">
-              <a:schemeClr val="accent1"/>
-            </a:effectRef>
-            <a:fontRef idx="minor">
-              <a:schemeClr val="tx1"/>
-            </a:fontRef>
-          </p:style>
-        </p:cxnSp>
-        <p:cxnSp>
-          <p:nvCxnSpPr>
-            <p:cNvPr id="226" name="直接连接符 225">
-              <a:extLst>
-                <a:ext uri="{FF2B5EF4-FFF2-40B4-BE49-F238E27FC236}">
-                  <a16:creationId xmlns:a16="http://schemas.microsoft.com/office/drawing/2014/main" id="{2B3F1914-9291-4ABE-9BC5-F5B705D67106}"/>
-                </a:ext>
-              </a:extLst>
-            </p:cNvPr>
-            <p:cNvCxnSpPr/>
-            <p:nvPr/>
-          </p:nvCxnSpPr>
-          <p:spPr>
-            <a:xfrm>
-              <a:off x="4554434" y="3411177"/>
-              <a:ext cx="0" cy="246185"/>
-            </a:xfrm>
-            <a:prstGeom prst="line">
-              <a:avLst/>
-            </a:prstGeom>
-            <a:ln>
-              <a:solidFill>
-                <a:schemeClr val="tx1"/>
-              </a:solidFill>
-            </a:ln>
-          </p:spPr>
-          <p:style>
-            <a:lnRef idx="1">
-              <a:schemeClr val="accent1"/>
-            </a:lnRef>
-            <a:fillRef idx="0">
-              <a:schemeClr val="accent1"/>
-            </a:fillRef>
-            <a:effectRef idx="0">
-              <a:schemeClr val="accent1"/>
-            </a:effectRef>
-            <a:fontRef idx="minor">
-              <a:schemeClr val="tx1"/>
-            </a:fontRef>
-          </p:style>
-        </p:cxnSp>
-        <p:cxnSp>
-          <p:nvCxnSpPr>
-            <p:cNvPr id="227" name="直接连接符 226">
-              <a:extLst>
-                <a:ext uri="{FF2B5EF4-FFF2-40B4-BE49-F238E27FC236}">
-                  <a16:creationId xmlns:a16="http://schemas.microsoft.com/office/drawing/2014/main" id="{865673C7-D726-4246-BB8A-E72CD8CD5B9A}"/>
-                </a:ext>
-              </a:extLst>
-            </p:cNvPr>
-            <p:cNvCxnSpPr/>
-            <p:nvPr/>
-          </p:nvCxnSpPr>
-          <p:spPr>
-            <a:xfrm>
-              <a:off x="4554434" y="3657361"/>
-              <a:ext cx="40401" cy="0"/>
-            </a:xfrm>
-            <a:prstGeom prst="line">
-              <a:avLst/>
-            </a:prstGeom>
-            <a:ln>
-              <a:solidFill>
-                <a:schemeClr val="tx1"/>
-              </a:solidFill>
-            </a:ln>
-          </p:spPr>
-          <p:style>
-            <a:lnRef idx="1">
-              <a:schemeClr val="accent1"/>
-            </a:lnRef>
-            <a:fillRef idx="0">
-              <a:schemeClr val="accent1"/>
-            </a:fillRef>
-            <a:effectRef idx="0">
-              <a:schemeClr val="accent1"/>
-            </a:effectRef>
-            <a:fontRef idx="minor">
-              <a:schemeClr val="tx1"/>
-            </a:fontRef>
-          </p:style>
-        </p:cxnSp>
-        <p:cxnSp>
-          <p:nvCxnSpPr>
-            <p:cNvPr id="228" name="直接连接符 227">
-              <a:extLst>
-                <a:ext uri="{FF2B5EF4-FFF2-40B4-BE49-F238E27FC236}">
-                  <a16:creationId xmlns:a16="http://schemas.microsoft.com/office/drawing/2014/main" id="{6749872B-6E1E-4E71-B8E7-57395B6DEE05}"/>
-                </a:ext>
-              </a:extLst>
-            </p:cNvPr>
-            <p:cNvCxnSpPr/>
-            <p:nvPr/>
-          </p:nvCxnSpPr>
-          <p:spPr>
-            <a:xfrm>
-              <a:off x="4594835" y="3411176"/>
-              <a:ext cx="40401" cy="0"/>
-            </a:xfrm>
-            <a:prstGeom prst="line">
-              <a:avLst/>
-            </a:prstGeom>
-            <a:ln>
-              <a:solidFill>
-                <a:schemeClr val="tx1"/>
-              </a:solidFill>
-            </a:ln>
-          </p:spPr>
-          <p:style>
-            <a:lnRef idx="1">
-              <a:schemeClr val="accent1"/>
-            </a:lnRef>
-            <a:fillRef idx="0">
-              <a:schemeClr val="accent1"/>
-            </a:fillRef>
-            <a:effectRef idx="0">
-              <a:schemeClr val="accent1"/>
-            </a:effectRef>
-            <a:fontRef idx="minor">
-              <a:schemeClr val="tx1"/>
-            </a:fontRef>
-          </p:style>
-        </p:cxnSp>
-        <p:cxnSp>
-          <p:nvCxnSpPr>
-            <p:cNvPr id="229" name="直接连接符 228">
-              <a:extLst>
-                <a:ext uri="{FF2B5EF4-FFF2-40B4-BE49-F238E27FC236}">
-                  <a16:creationId xmlns:a16="http://schemas.microsoft.com/office/drawing/2014/main" id="{5CF645EC-7B9A-4C5A-9643-014D1F484604}"/>
-                </a:ext>
-              </a:extLst>
-            </p:cNvPr>
-            <p:cNvCxnSpPr/>
-            <p:nvPr/>
-          </p:nvCxnSpPr>
-          <p:spPr>
-            <a:xfrm>
-              <a:off x="4594835" y="3411176"/>
-              <a:ext cx="0" cy="246185"/>
-            </a:xfrm>
-            <a:prstGeom prst="line">
-              <a:avLst/>
-            </a:prstGeom>
-            <a:ln>
-              <a:solidFill>
-                <a:schemeClr val="tx1"/>
-              </a:solidFill>
-            </a:ln>
-          </p:spPr>
-          <p:style>
-            <a:lnRef idx="1">
-              <a:schemeClr val="accent1"/>
-            </a:lnRef>
-            <a:fillRef idx="0">
-              <a:schemeClr val="accent1"/>
-            </a:fillRef>
-            <a:effectRef idx="0">
-              <a:schemeClr val="accent1"/>
-            </a:effectRef>
-            <a:fontRef idx="minor">
-              <a:schemeClr val="tx1"/>
-            </a:fontRef>
-          </p:style>
-        </p:cxnSp>
-        <p:cxnSp>
-          <p:nvCxnSpPr>
-            <p:cNvPr id="230" name="直接连接符 229">
-              <a:extLst>
-                <a:ext uri="{FF2B5EF4-FFF2-40B4-BE49-F238E27FC236}">
-                  <a16:creationId xmlns:a16="http://schemas.microsoft.com/office/drawing/2014/main" id="{9D5AE06E-942B-48F5-A334-3B19C1A8DC30}"/>
-                </a:ext>
-              </a:extLst>
-            </p:cNvPr>
-            <p:cNvCxnSpPr/>
-            <p:nvPr/>
-          </p:nvCxnSpPr>
-          <p:spPr>
-            <a:xfrm>
-              <a:off x="4635235" y="3411176"/>
-              <a:ext cx="0" cy="246185"/>
-            </a:xfrm>
-            <a:prstGeom prst="line">
-              <a:avLst/>
-            </a:prstGeom>
-            <a:ln>
-              <a:solidFill>
-                <a:schemeClr val="tx1"/>
-              </a:solidFill>
-            </a:ln>
-          </p:spPr>
-          <p:style>
-            <a:lnRef idx="1">
-              <a:schemeClr val="accent1"/>
-            </a:lnRef>
-            <a:fillRef idx="0">
-              <a:schemeClr val="accent1"/>
-            </a:fillRef>
-            <a:effectRef idx="0">
-              <a:schemeClr val="accent1"/>
-            </a:effectRef>
-            <a:fontRef idx="minor">
-              <a:schemeClr val="tx1"/>
-            </a:fontRef>
-          </p:style>
-        </p:cxnSp>
-        <p:cxnSp>
-          <p:nvCxnSpPr>
-            <p:cNvPr id="231" name="直接连接符 230">
-              <a:extLst>
-                <a:ext uri="{FF2B5EF4-FFF2-40B4-BE49-F238E27FC236}">
-                  <a16:creationId xmlns:a16="http://schemas.microsoft.com/office/drawing/2014/main" id="{60EA3C4F-B505-4763-8655-60C36EEECB6C}"/>
-                </a:ext>
-              </a:extLst>
-            </p:cNvPr>
-            <p:cNvCxnSpPr/>
-            <p:nvPr/>
-          </p:nvCxnSpPr>
-          <p:spPr>
-            <a:xfrm>
-              <a:off x="4635235" y="3657363"/>
-              <a:ext cx="40401" cy="0"/>
-            </a:xfrm>
-            <a:prstGeom prst="line">
-              <a:avLst/>
-            </a:prstGeom>
-            <a:ln>
-              <a:solidFill>
-                <a:schemeClr val="tx1"/>
-              </a:solidFill>
-            </a:ln>
-          </p:spPr>
-          <p:style>
-            <a:lnRef idx="1">
-              <a:schemeClr val="accent1"/>
-            </a:lnRef>
-            <a:fillRef idx="0">
-              <a:schemeClr val="accent1"/>
-            </a:fillRef>
-            <a:effectRef idx="0">
-              <a:schemeClr val="accent1"/>
-            </a:effectRef>
-            <a:fontRef idx="minor">
-              <a:schemeClr val="tx1"/>
-            </a:fontRef>
-          </p:style>
-        </p:cxnSp>
-        <p:cxnSp>
-          <p:nvCxnSpPr>
-            <p:cNvPr id="232" name="直接连接符 231">
-              <a:extLst>
-                <a:ext uri="{FF2B5EF4-FFF2-40B4-BE49-F238E27FC236}">
-                  <a16:creationId xmlns:a16="http://schemas.microsoft.com/office/drawing/2014/main" id="{51279B3E-1A2B-45FE-95EB-C2E23565A9D2}"/>
-                </a:ext>
-              </a:extLst>
-            </p:cNvPr>
-            <p:cNvCxnSpPr/>
-            <p:nvPr/>
-          </p:nvCxnSpPr>
-          <p:spPr>
-            <a:xfrm>
-              <a:off x="4675636" y="3411178"/>
-              <a:ext cx="40401" cy="0"/>
-            </a:xfrm>
-            <a:prstGeom prst="line">
-              <a:avLst/>
-            </a:prstGeom>
-            <a:ln>
-              <a:solidFill>
-                <a:schemeClr val="tx1"/>
-              </a:solidFill>
-            </a:ln>
-          </p:spPr>
-          <p:style>
-            <a:lnRef idx="1">
-              <a:schemeClr val="accent1"/>
-            </a:lnRef>
-            <a:fillRef idx="0">
-              <a:schemeClr val="accent1"/>
-            </a:fillRef>
-            <a:effectRef idx="0">
-              <a:schemeClr val="accent1"/>
-            </a:effectRef>
-            <a:fontRef idx="minor">
-              <a:schemeClr val="tx1"/>
-            </a:fontRef>
-          </p:style>
-        </p:cxnSp>
-        <p:cxnSp>
-          <p:nvCxnSpPr>
-            <p:cNvPr id="233" name="直接连接符 232">
-              <a:extLst>
-                <a:ext uri="{FF2B5EF4-FFF2-40B4-BE49-F238E27FC236}">
-                  <a16:creationId xmlns:a16="http://schemas.microsoft.com/office/drawing/2014/main" id="{512C466B-81B3-444E-BDDC-E937551ED23D}"/>
-                </a:ext>
-              </a:extLst>
-            </p:cNvPr>
-            <p:cNvCxnSpPr/>
-            <p:nvPr/>
-          </p:nvCxnSpPr>
-          <p:spPr>
-            <a:xfrm>
-              <a:off x="4675636" y="3411178"/>
-              <a:ext cx="0" cy="246185"/>
-            </a:xfrm>
-            <a:prstGeom prst="line">
-              <a:avLst/>
-            </a:prstGeom>
-            <a:ln>
-              <a:solidFill>
-                <a:schemeClr val="tx1"/>
-              </a:solidFill>
-            </a:ln>
-          </p:spPr>
-          <p:style>
-            <a:lnRef idx="1">
-              <a:schemeClr val="accent1"/>
-            </a:lnRef>
-            <a:fillRef idx="0">
-              <a:schemeClr val="accent1"/>
-            </a:fillRef>
-            <a:effectRef idx="0">
-              <a:schemeClr val="accent1"/>
-            </a:effectRef>
-            <a:fontRef idx="minor">
-              <a:schemeClr val="tx1"/>
-            </a:fontRef>
-          </p:style>
-        </p:cxnSp>
-        <p:cxnSp>
-          <p:nvCxnSpPr>
-            <p:cNvPr id="234" name="直接连接符 233">
-              <a:extLst>
-                <a:ext uri="{FF2B5EF4-FFF2-40B4-BE49-F238E27FC236}">
-                  <a16:creationId xmlns:a16="http://schemas.microsoft.com/office/drawing/2014/main" id="{B6CB8F50-6CA6-44AC-A742-89837DA98587}"/>
-                </a:ext>
-              </a:extLst>
-            </p:cNvPr>
-            <p:cNvCxnSpPr/>
-            <p:nvPr/>
-          </p:nvCxnSpPr>
-          <p:spPr>
-            <a:xfrm>
-              <a:off x="4716036" y="3411178"/>
-              <a:ext cx="0" cy="246185"/>
-            </a:xfrm>
-            <a:prstGeom prst="line">
-              <a:avLst/>
-            </a:prstGeom>
-            <a:ln>
-              <a:solidFill>
-                <a:schemeClr val="tx1"/>
-              </a:solidFill>
-            </a:ln>
-          </p:spPr>
-          <p:style>
-            <a:lnRef idx="1">
-              <a:schemeClr val="accent1"/>
-            </a:lnRef>
-            <a:fillRef idx="0">
-              <a:schemeClr val="accent1"/>
-            </a:fillRef>
-            <a:effectRef idx="0">
-              <a:schemeClr val="accent1"/>
-            </a:effectRef>
-            <a:fontRef idx="minor">
-              <a:schemeClr val="tx1"/>
-            </a:fontRef>
-          </p:style>
-        </p:cxnSp>
-        <p:cxnSp>
-          <p:nvCxnSpPr>
-            <p:cNvPr id="235" name="直接连接符 234">
-              <a:extLst>
-                <a:ext uri="{FF2B5EF4-FFF2-40B4-BE49-F238E27FC236}">
-                  <a16:creationId xmlns:a16="http://schemas.microsoft.com/office/drawing/2014/main" id="{22125364-B86F-4F0B-BAAF-96C64F8E0B1E}"/>
-                </a:ext>
-              </a:extLst>
-            </p:cNvPr>
-            <p:cNvCxnSpPr/>
-            <p:nvPr/>
-          </p:nvCxnSpPr>
-          <p:spPr>
-            <a:xfrm>
-              <a:off x="4716036" y="3657363"/>
-              <a:ext cx="40401" cy="0"/>
-            </a:xfrm>
-            <a:prstGeom prst="line">
-              <a:avLst/>
-            </a:prstGeom>
-            <a:ln>
-              <a:solidFill>
-                <a:schemeClr val="tx1"/>
-              </a:solidFill>
-            </a:ln>
-          </p:spPr>
-          <p:style>
-            <a:lnRef idx="1">
-              <a:schemeClr val="accent1"/>
-            </a:lnRef>
-            <a:fillRef idx="0">
-              <a:schemeClr val="accent1"/>
-            </a:fillRef>
-            <a:effectRef idx="0">
-              <a:schemeClr val="accent1"/>
-            </a:effectRef>
-            <a:fontRef idx="minor">
-              <a:schemeClr val="tx1"/>
-            </a:fontRef>
-          </p:style>
-        </p:cxnSp>
-        <p:cxnSp>
-          <p:nvCxnSpPr>
-            <p:cNvPr id="236" name="直接连接符 235">
-              <a:extLst>
-                <a:ext uri="{FF2B5EF4-FFF2-40B4-BE49-F238E27FC236}">
-                  <a16:creationId xmlns:a16="http://schemas.microsoft.com/office/drawing/2014/main" id="{ABA0D0C4-A168-40A8-ABA4-9483B45BF2C7}"/>
-                </a:ext>
-              </a:extLst>
-            </p:cNvPr>
-            <p:cNvCxnSpPr/>
-            <p:nvPr/>
-          </p:nvCxnSpPr>
-          <p:spPr>
-            <a:xfrm>
-              <a:off x="4756437" y="3411178"/>
-              <a:ext cx="40401" cy="0"/>
-            </a:xfrm>
-            <a:prstGeom prst="line">
-              <a:avLst/>
-            </a:prstGeom>
-            <a:ln>
-              <a:solidFill>
-                <a:schemeClr val="tx1"/>
-              </a:solidFill>
-            </a:ln>
-          </p:spPr>
-          <p:style>
-            <a:lnRef idx="1">
-              <a:schemeClr val="accent1"/>
-            </a:lnRef>
-            <a:fillRef idx="0">
-              <a:schemeClr val="accent1"/>
-            </a:fillRef>
-            <a:effectRef idx="0">
-              <a:schemeClr val="accent1"/>
-            </a:effectRef>
-            <a:fontRef idx="minor">
-              <a:schemeClr val="tx1"/>
-            </a:fontRef>
-          </p:style>
-        </p:cxnSp>
-        <p:cxnSp>
-          <p:nvCxnSpPr>
-            <p:cNvPr id="237" name="直接连接符 236">
-              <a:extLst>
-                <a:ext uri="{FF2B5EF4-FFF2-40B4-BE49-F238E27FC236}">
-                  <a16:creationId xmlns:a16="http://schemas.microsoft.com/office/drawing/2014/main" id="{2A0F75E2-A523-4D3C-A116-5191013CF886}"/>
-                </a:ext>
-              </a:extLst>
-            </p:cNvPr>
-            <p:cNvCxnSpPr/>
-            <p:nvPr/>
-          </p:nvCxnSpPr>
-          <p:spPr>
-            <a:xfrm>
-              <a:off x="4756437" y="3411178"/>
-              <a:ext cx="0" cy="246185"/>
-            </a:xfrm>
-            <a:prstGeom prst="line">
-              <a:avLst/>
-            </a:prstGeom>
-            <a:ln>
-              <a:solidFill>
-                <a:schemeClr val="tx1"/>
-              </a:solidFill>
-            </a:ln>
-          </p:spPr>
-          <p:style>
-            <a:lnRef idx="1">
-              <a:schemeClr val="accent1"/>
-            </a:lnRef>
-            <a:fillRef idx="0">
-              <a:schemeClr val="accent1"/>
-            </a:fillRef>
-            <a:effectRef idx="0">
-              <a:schemeClr val="accent1"/>
-            </a:effectRef>
-            <a:fontRef idx="minor">
-              <a:schemeClr val="tx1"/>
-            </a:fontRef>
-          </p:style>
-        </p:cxnSp>
-        <p:cxnSp>
-          <p:nvCxnSpPr>
-            <p:cNvPr id="238" name="直接连接符 237">
-              <a:extLst>
-                <a:ext uri="{FF2B5EF4-FFF2-40B4-BE49-F238E27FC236}">
-                  <a16:creationId xmlns:a16="http://schemas.microsoft.com/office/drawing/2014/main" id="{6541B570-A948-4C31-A18C-40186B043AF8}"/>
-                </a:ext>
-              </a:extLst>
-            </p:cNvPr>
-            <p:cNvCxnSpPr/>
-            <p:nvPr/>
-          </p:nvCxnSpPr>
-          <p:spPr>
-            <a:xfrm>
-              <a:off x="4796837" y="3411178"/>
-              <a:ext cx="0" cy="246185"/>
-            </a:xfrm>
-            <a:prstGeom prst="line">
-              <a:avLst/>
-            </a:prstGeom>
-            <a:ln>
-              <a:solidFill>
-                <a:schemeClr val="tx1"/>
-              </a:solidFill>
-            </a:ln>
-          </p:spPr>
-          <p:style>
-            <a:lnRef idx="1">
-              <a:schemeClr val="accent1"/>
-            </a:lnRef>
-            <a:fillRef idx="0">
-              <a:schemeClr val="accent1"/>
-            </a:fillRef>
-            <a:effectRef idx="0">
-              <a:schemeClr val="accent1"/>
-            </a:effectRef>
-            <a:fontRef idx="minor">
-              <a:schemeClr val="tx1"/>
-            </a:fontRef>
-          </p:style>
-        </p:cxnSp>
-        <p:cxnSp>
-          <p:nvCxnSpPr>
-            <p:cNvPr id="239" name="直接连接符 238">
-              <a:extLst>
-                <a:ext uri="{FF2B5EF4-FFF2-40B4-BE49-F238E27FC236}">
-                  <a16:creationId xmlns:a16="http://schemas.microsoft.com/office/drawing/2014/main" id="{DE39115D-6C6D-4C31-A1B5-E69BB79D1443}"/>
-                </a:ext>
-              </a:extLst>
-            </p:cNvPr>
-            <p:cNvCxnSpPr/>
-            <p:nvPr/>
-          </p:nvCxnSpPr>
-          <p:spPr>
-            <a:xfrm>
-              <a:off x="4796837" y="3657362"/>
-              <a:ext cx="40401" cy="0"/>
-            </a:xfrm>
-            <a:prstGeom prst="line">
-              <a:avLst/>
-            </a:prstGeom>
-            <a:ln>
-              <a:solidFill>
-                <a:schemeClr val="tx1"/>
-              </a:solidFill>
-            </a:ln>
-          </p:spPr>
-          <p:style>
-            <a:lnRef idx="1">
-              <a:schemeClr val="accent1"/>
-            </a:lnRef>
-            <a:fillRef idx="0">
-              <a:schemeClr val="accent1"/>
-            </a:fillRef>
-            <a:effectRef idx="0">
-              <a:schemeClr val="accent1"/>
-            </a:effectRef>
-            <a:fontRef idx="minor">
-              <a:schemeClr val="tx1"/>
-            </a:fontRef>
-          </p:style>
-        </p:cxnSp>
-        <p:cxnSp>
-          <p:nvCxnSpPr>
-            <p:cNvPr id="240" name="直接连接符 239">
-              <a:extLst>
-                <a:ext uri="{FF2B5EF4-FFF2-40B4-BE49-F238E27FC236}">
-                  <a16:creationId xmlns:a16="http://schemas.microsoft.com/office/drawing/2014/main" id="{22E791AD-CED2-44F9-977C-F8EDA3741A35}"/>
-                </a:ext>
-              </a:extLst>
-            </p:cNvPr>
-            <p:cNvCxnSpPr/>
-            <p:nvPr/>
-          </p:nvCxnSpPr>
-          <p:spPr>
-            <a:xfrm>
-              <a:off x="4837238" y="3411177"/>
-              <a:ext cx="40401" cy="0"/>
-            </a:xfrm>
-            <a:prstGeom prst="line">
-              <a:avLst/>
-            </a:prstGeom>
-            <a:ln>
-              <a:solidFill>
-                <a:schemeClr val="tx1"/>
-              </a:solidFill>
-            </a:ln>
-          </p:spPr>
-          <p:style>
-            <a:lnRef idx="1">
-              <a:schemeClr val="accent1"/>
-            </a:lnRef>
-            <a:fillRef idx="0">
-              <a:schemeClr val="accent1"/>
-            </a:fillRef>
-            <a:effectRef idx="0">
-              <a:schemeClr val="accent1"/>
-            </a:effectRef>
-            <a:fontRef idx="minor">
-              <a:schemeClr val="tx1"/>
-            </a:fontRef>
-          </p:style>
-        </p:cxnSp>
-        <p:cxnSp>
-          <p:nvCxnSpPr>
-            <p:cNvPr id="241" name="直接连接符 240">
-              <a:extLst>
-                <a:ext uri="{FF2B5EF4-FFF2-40B4-BE49-F238E27FC236}">
-                  <a16:creationId xmlns:a16="http://schemas.microsoft.com/office/drawing/2014/main" id="{24C529DE-0544-420B-9C32-DFB0DBB8DA85}"/>
-                </a:ext>
-              </a:extLst>
-            </p:cNvPr>
-            <p:cNvCxnSpPr/>
-            <p:nvPr/>
-          </p:nvCxnSpPr>
-          <p:spPr>
-            <a:xfrm>
-              <a:off x="4837238" y="3411177"/>
-              <a:ext cx="0" cy="246185"/>
-            </a:xfrm>
-            <a:prstGeom prst="line">
-              <a:avLst/>
-            </a:prstGeom>
-            <a:ln>
-              <a:solidFill>
-                <a:schemeClr val="tx1"/>
-              </a:solidFill>
-            </a:ln>
-          </p:spPr>
-          <p:style>
-            <a:lnRef idx="1">
-              <a:schemeClr val="accent1"/>
-            </a:lnRef>
-            <a:fillRef idx="0">
-              <a:schemeClr val="accent1"/>
-            </a:fillRef>
-            <a:effectRef idx="0">
-              <a:schemeClr val="accent1"/>
-            </a:effectRef>
-            <a:fontRef idx="minor">
-              <a:schemeClr val="tx1"/>
-            </a:fontRef>
-          </p:style>
-        </p:cxnSp>
-        <p:cxnSp>
-          <p:nvCxnSpPr>
-            <p:cNvPr id="242" name="直接连接符 241">
-              <a:extLst>
-                <a:ext uri="{FF2B5EF4-FFF2-40B4-BE49-F238E27FC236}">
-                  <a16:creationId xmlns:a16="http://schemas.microsoft.com/office/drawing/2014/main" id="{13B5CB41-6DD5-4512-87B1-4406AADDE884}"/>
-                </a:ext>
-              </a:extLst>
-            </p:cNvPr>
-            <p:cNvCxnSpPr/>
-            <p:nvPr/>
-          </p:nvCxnSpPr>
-          <p:spPr>
-            <a:xfrm>
-              <a:off x="4877638" y="3411177"/>
-              <a:ext cx="0" cy="246185"/>
-            </a:xfrm>
-            <a:prstGeom prst="line">
-              <a:avLst/>
-            </a:prstGeom>
-            <a:ln>
-              <a:solidFill>
-                <a:schemeClr val="tx1"/>
-              </a:solidFill>
-            </a:ln>
-          </p:spPr>
-          <p:style>
-            <a:lnRef idx="1">
-              <a:schemeClr val="accent1"/>
-            </a:lnRef>
-            <a:fillRef idx="0">
-              <a:schemeClr val="accent1"/>
-            </a:fillRef>
-            <a:effectRef idx="0">
-              <a:schemeClr val="accent1"/>
-            </a:effectRef>
-            <a:fontRef idx="minor">
-              <a:schemeClr val="tx1"/>
-            </a:fontRef>
-          </p:style>
-        </p:cxnSp>
-        <p:cxnSp>
-          <p:nvCxnSpPr>
-            <p:cNvPr id="243" name="直接连接符 242">
-              <a:extLst>
-                <a:ext uri="{FF2B5EF4-FFF2-40B4-BE49-F238E27FC236}">
-                  <a16:creationId xmlns:a16="http://schemas.microsoft.com/office/drawing/2014/main" id="{83904E77-FA28-47E1-A62D-0AC285CFC9C9}"/>
-                </a:ext>
-              </a:extLst>
-            </p:cNvPr>
-            <p:cNvCxnSpPr/>
-            <p:nvPr/>
-          </p:nvCxnSpPr>
-          <p:spPr>
-            <a:xfrm>
-              <a:off x="4877638" y="3657361"/>
-              <a:ext cx="40401" cy="0"/>
-            </a:xfrm>
-            <a:prstGeom prst="line">
-              <a:avLst/>
-            </a:prstGeom>
-            <a:ln>
-              <a:solidFill>
-                <a:schemeClr val="tx1"/>
-              </a:solidFill>
-            </a:ln>
-          </p:spPr>
-          <p:style>
-            <a:lnRef idx="1">
-              <a:schemeClr val="accent1"/>
-            </a:lnRef>
-            <a:fillRef idx="0">
-              <a:schemeClr val="accent1"/>
-            </a:fillRef>
-            <a:effectRef idx="0">
-              <a:schemeClr val="accent1"/>
-            </a:effectRef>
-            <a:fontRef idx="minor">
-              <a:schemeClr val="tx1"/>
-            </a:fontRef>
-          </p:style>
-        </p:cxnSp>
-        <p:cxnSp>
-          <p:nvCxnSpPr>
-            <p:cNvPr id="244" name="直接连接符 243">
-              <a:extLst>
-                <a:ext uri="{FF2B5EF4-FFF2-40B4-BE49-F238E27FC236}">
-                  <a16:creationId xmlns:a16="http://schemas.microsoft.com/office/drawing/2014/main" id="{ACC960C2-C238-4DEB-B0EF-39FABAC8EDA7}"/>
-                </a:ext>
-              </a:extLst>
-            </p:cNvPr>
-            <p:cNvCxnSpPr/>
-            <p:nvPr/>
-          </p:nvCxnSpPr>
-          <p:spPr>
-            <a:xfrm>
-              <a:off x="4918038" y="3411176"/>
-              <a:ext cx="40401" cy="0"/>
-            </a:xfrm>
-            <a:prstGeom prst="line">
-              <a:avLst/>
-            </a:prstGeom>
-            <a:ln>
-              <a:solidFill>
-                <a:schemeClr val="tx1"/>
-              </a:solidFill>
-            </a:ln>
-          </p:spPr>
-          <p:style>
-            <a:lnRef idx="1">
-              <a:schemeClr val="accent1"/>
-            </a:lnRef>
-            <a:fillRef idx="0">
-              <a:schemeClr val="accent1"/>
-            </a:fillRef>
-            <a:effectRef idx="0">
-              <a:schemeClr val="accent1"/>
-            </a:effectRef>
-            <a:fontRef idx="minor">
-              <a:schemeClr val="tx1"/>
-            </a:fontRef>
-          </p:style>
-        </p:cxnSp>
-        <p:cxnSp>
-          <p:nvCxnSpPr>
-            <p:cNvPr id="245" name="直接连接符 244">
-              <a:extLst>
-                <a:ext uri="{FF2B5EF4-FFF2-40B4-BE49-F238E27FC236}">
-                  <a16:creationId xmlns:a16="http://schemas.microsoft.com/office/drawing/2014/main" id="{CC13C66A-5EDA-4DBD-93EF-1D124DADDD47}"/>
-                </a:ext>
-              </a:extLst>
-            </p:cNvPr>
-            <p:cNvCxnSpPr/>
-            <p:nvPr/>
-          </p:nvCxnSpPr>
-          <p:spPr>
-            <a:xfrm>
-              <a:off x="4918038" y="3411176"/>
-              <a:ext cx="0" cy="246185"/>
-            </a:xfrm>
-            <a:prstGeom prst="line">
-              <a:avLst/>
-            </a:prstGeom>
-            <a:ln>
-              <a:solidFill>
-                <a:schemeClr val="tx1"/>
-              </a:solidFill>
-            </a:ln>
-          </p:spPr>
-          <p:style>
-            <a:lnRef idx="1">
-              <a:schemeClr val="accent1"/>
-            </a:lnRef>
-            <a:fillRef idx="0">
-              <a:schemeClr val="accent1"/>
-            </a:fillRef>
-            <a:effectRef idx="0">
-              <a:schemeClr val="accent1"/>
-            </a:effectRef>
-            <a:fontRef idx="minor">
-              <a:schemeClr val="tx1"/>
-            </a:fontRef>
-          </p:style>
-        </p:cxnSp>
-        <p:cxnSp>
-          <p:nvCxnSpPr>
-            <p:cNvPr id="246" name="直接连接符 245">
-              <a:extLst>
-                <a:ext uri="{FF2B5EF4-FFF2-40B4-BE49-F238E27FC236}">
-                  <a16:creationId xmlns:a16="http://schemas.microsoft.com/office/drawing/2014/main" id="{19600811-6792-4D41-8640-C7927FDC686A}"/>
-                </a:ext>
-              </a:extLst>
-            </p:cNvPr>
-            <p:cNvCxnSpPr/>
-            <p:nvPr/>
-          </p:nvCxnSpPr>
-          <p:spPr>
-            <a:xfrm>
-              <a:off x="4958439" y="3411176"/>
-              <a:ext cx="0" cy="246185"/>
-            </a:xfrm>
-            <a:prstGeom prst="line">
-              <a:avLst/>
-            </a:prstGeom>
-            <a:ln>
-              <a:solidFill>
-                <a:schemeClr val="tx1"/>
-              </a:solidFill>
-            </a:ln>
-          </p:spPr>
-          <p:style>
-            <a:lnRef idx="1">
-              <a:schemeClr val="accent1"/>
-            </a:lnRef>
-            <a:fillRef idx="0">
-              <a:schemeClr val="accent1"/>
-            </a:fillRef>
-            <a:effectRef idx="0">
-              <a:schemeClr val="accent1"/>
-            </a:effectRef>
-            <a:fontRef idx="minor">
-              <a:schemeClr val="tx1"/>
-            </a:fontRef>
-          </p:style>
-        </p:cxnSp>
-        <p:cxnSp>
-          <p:nvCxnSpPr>
-            <p:cNvPr id="278" name="直接连接符 277">
-              <a:extLst>
-                <a:ext uri="{FF2B5EF4-FFF2-40B4-BE49-F238E27FC236}">
-                  <a16:creationId xmlns:a16="http://schemas.microsoft.com/office/drawing/2014/main" id="{A563C57A-EA46-4FBF-BF70-DDCF523761F5}"/>
+                  <a16:creationId xmlns:a16="http://schemas.microsoft.com/office/drawing/2014/main" id="{98F927BD-4089-4355-85FE-296758AF1F17}"/>
                 </a:ext>
               </a:extLst>
             </p:cNvPr>
@@ -38595,16 +38878,17 @@
           </p:nvCxnSpPr>
           <p:spPr>
             <a:xfrm>
-              <a:off x="4960117" y="3654717"/>
-              <a:ext cx="40401" cy="0"/>
+              <a:off x="4969965" y="2692585"/>
+              <a:ext cx="1866324" cy="0"/>
             </a:xfrm>
             <a:prstGeom prst="line">
               <a:avLst/>
             </a:prstGeom>
-            <a:ln>
+            <a:ln w="12700">
               <a:solidFill>
                 <a:schemeClr val="tx1"/>
               </a:solidFill>
+              <a:headEnd type="stealth"/>
             </a:ln>
           </p:spPr>
           <p:style>
@@ -38622,13 +38906,183 @@
             </a:fontRef>
           </p:style>
         </p:cxnSp>
+        <p:sp>
+          <p:nvSpPr>
+            <p:cNvPr id="12" name="文本框 11">
+              <a:extLst>
+                <a:ext uri="{FF2B5EF4-FFF2-40B4-BE49-F238E27FC236}">
+                  <a16:creationId xmlns:a16="http://schemas.microsoft.com/office/drawing/2014/main" id="{FB25BED7-ED38-4533-ABCB-56079C2DC546}"/>
+                </a:ext>
+              </a:extLst>
+            </p:cNvPr>
+            <p:cNvSpPr txBox="1"/>
+            <p:nvPr/>
+          </p:nvSpPr>
+          <p:spPr>
+            <a:xfrm>
+              <a:off x="4756563" y="2282961"/>
+              <a:ext cx="141064" cy="153888"/>
+            </a:xfrm>
+            <a:prstGeom prst="rect">
+              <a:avLst/>
+            </a:prstGeom>
+            <a:noFill/>
+          </p:spPr>
+          <p:txBody>
+            <a:bodyPr wrap="none" lIns="0" tIns="0" rIns="0" bIns="0" rtlCol="0" anchor="ctr" anchorCtr="0">
+              <a:spAutoFit/>
+            </a:bodyPr>
+            <a:lstStyle/>
+            <a:p>
+              <a:pPr algn="r"/>
+              <a:r>
+                <a:rPr lang="en-US" altLang="zh-CN" sz="1000">
+                  <a:latin typeface="Consolas" panose="020B0609020204030204" pitchFamily="49" charset="0"/>
+                  <a:cs typeface="Consolas" panose="020B0609020204030204" pitchFamily="49" charset="0"/>
+                </a:rPr>
+                <a:t>TX</a:t>
+              </a:r>
+              <a:endParaRPr lang="zh-CN" altLang="en-US" sz="1000">
+                <a:latin typeface="Consolas" panose="020B0609020204030204" pitchFamily="49" charset="0"/>
+                <a:cs typeface="Consolas" panose="020B0609020204030204" pitchFamily="49" charset="0"/>
+              </a:endParaRPr>
+            </a:p>
+          </p:txBody>
+        </p:sp>
+        <p:sp>
+          <p:nvSpPr>
+            <p:cNvPr id="13" name="文本框 12">
+              <a:extLst>
+                <a:ext uri="{FF2B5EF4-FFF2-40B4-BE49-F238E27FC236}">
+                  <a16:creationId xmlns:a16="http://schemas.microsoft.com/office/drawing/2014/main" id="{7697556B-1F49-43FB-884C-6676E8E0CEA3}"/>
+                </a:ext>
+              </a:extLst>
+            </p:cNvPr>
+            <p:cNvSpPr txBox="1"/>
+            <p:nvPr/>
+          </p:nvSpPr>
+          <p:spPr>
+            <a:xfrm>
+              <a:off x="4756563" y="2606268"/>
+              <a:ext cx="141064" cy="153888"/>
+            </a:xfrm>
+            <a:prstGeom prst="rect">
+              <a:avLst/>
+            </a:prstGeom>
+            <a:noFill/>
+          </p:spPr>
+          <p:txBody>
+            <a:bodyPr wrap="none" lIns="0" tIns="0" rIns="0" bIns="0" rtlCol="0" anchor="ctr" anchorCtr="0">
+              <a:spAutoFit/>
+            </a:bodyPr>
+            <a:lstStyle/>
+            <a:p>
+              <a:pPr algn="r"/>
+              <a:r>
+                <a:rPr lang="en-US" altLang="zh-CN" sz="1000">
+                  <a:latin typeface="Consolas" panose="020B0609020204030204" pitchFamily="49" charset="0"/>
+                  <a:cs typeface="Consolas" panose="020B0609020204030204" pitchFamily="49" charset="0"/>
+                </a:rPr>
+                <a:t>RX</a:t>
+              </a:r>
+              <a:endParaRPr lang="zh-CN" altLang="en-US" sz="1000">
+                <a:latin typeface="Consolas" panose="020B0609020204030204" pitchFamily="49" charset="0"/>
+                <a:cs typeface="Consolas" panose="020B0609020204030204" pitchFamily="49" charset="0"/>
+              </a:endParaRPr>
+            </a:p>
+          </p:txBody>
+        </p:sp>
+        <p:sp>
+          <p:nvSpPr>
+            <p:cNvPr id="16" name="文本框 15">
+              <a:extLst>
+                <a:ext uri="{FF2B5EF4-FFF2-40B4-BE49-F238E27FC236}">
+                  <a16:creationId xmlns:a16="http://schemas.microsoft.com/office/drawing/2014/main" id="{A077384F-9C48-42F0-A3F2-B185E68AC5C7}"/>
+                </a:ext>
+              </a:extLst>
+            </p:cNvPr>
+            <p:cNvSpPr txBox="1"/>
+            <p:nvPr/>
+          </p:nvSpPr>
+          <p:spPr>
+            <a:xfrm>
+              <a:off x="6901153" y="2282961"/>
+              <a:ext cx="141064" cy="153888"/>
+            </a:xfrm>
+            <a:prstGeom prst="rect">
+              <a:avLst/>
+            </a:prstGeom>
+            <a:noFill/>
+          </p:spPr>
+          <p:txBody>
+            <a:bodyPr wrap="none" lIns="0" tIns="0" rIns="0" bIns="0" rtlCol="0" anchor="ctr" anchorCtr="0">
+              <a:spAutoFit/>
+            </a:bodyPr>
+            <a:lstStyle/>
+            <a:p>
+              <a:r>
+                <a:rPr lang="en-US" altLang="zh-CN" sz="1000">
+                  <a:latin typeface="Consolas" panose="020B0609020204030204" pitchFamily="49" charset="0"/>
+                  <a:cs typeface="Consolas" panose="020B0609020204030204" pitchFamily="49" charset="0"/>
+                </a:rPr>
+                <a:t>RX</a:t>
+              </a:r>
+              <a:endParaRPr lang="zh-CN" altLang="en-US" sz="1000">
+                <a:latin typeface="Consolas" panose="020B0609020204030204" pitchFamily="49" charset="0"/>
+                <a:cs typeface="Consolas" panose="020B0609020204030204" pitchFamily="49" charset="0"/>
+              </a:endParaRPr>
+            </a:p>
+          </p:txBody>
+        </p:sp>
+        <p:sp>
+          <p:nvSpPr>
+            <p:cNvPr id="17" name="文本框 16">
+              <a:extLst>
+                <a:ext uri="{FF2B5EF4-FFF2-40B4-BE49-F238E27FC236}">
+                  <a16:creationId xmlns:a16="http://schemas.microsoft.com/office/drawing/2014/main" id="{7A240D8A-DF4B-4241-90EF-30DEBBA2394E}"/>
+                </a:ext>
+              </a:extLst>
+            </p:cNvPr>
+            <p:cNvSpPr txBox="1"/>
+            <p:nvPr/>
+          </p:nvSpPr>
+          <p:spPr>
+            <a:xfrm>
+              <a:off x="6901153" y="2606268"/>
+              <a:ext cx="141064" cy="153888"/>
+            </a:xfrm>
+            <a:prstGeom prst="rect">
+              <a:avLst/>
+            </a:prstGeom>
+            <a:noFill/>
+          </p:spPr>
+          <p:txBody>
+            <a:bodyPr wrap="none" lIns="0" tIns="0" rIns="0" bIns="0" rtlCol="0" anchor="ctr" anchorCtr="0">
+              <a:spAutoFit/>
+            </a:bodyPr>
+            <a:lstStyle/>
+            <a:p>
+              <a:r>
+                <a:rPr lang="en-US" altLang="zh-CN" sz="1000">
+                  <a:latin typeface="Consolas" panose="020B0609020204030204" pitchFamily="49" charset="0"/>
+                  <a:cs typeface="Consolas" panose="020B0609020204030204" pitchFamily="49" charset="0"/>
+                </a:rPr>
+                <a:t>TX</a:t>
+              </a:r>
+              <a:endParaRPr lang="zh-CN" altLang="en-US" sz="1000">
+                <a:latin typeface="Consolas" panose="020B0609020204030204" pitchFamily="49" charset="0"/>
+                <a:cs typeface="Consolas" panose="020B0609020204030204" pitchFamily="49" charset="0"/>
+              </a:endParaRPr>
+            </a:p>
+          </p:txBody>
+        </p:sp>
       </p:grpSp>
       <p:sp>
         <p:nvSpPr>
-          <p:cNvPr id="89" name="文本框 88">
-            <a:extLst>
-              <a:ext uri="{FF2B5EF4-FFF2-40B4-BE49-F238E27FC236}">
-                <a16:creationId xmlns:a16="http://schemas.microsoft.com/office/drawing/2014/main" id="{11E1067B-3FFA-4A07-9737-CFDD0A67C84D}"/>
+          <p:cNvPr id="19" name="文本框 18">
+            <a:extLst>
+              <a:ext uri="{FF2B5EF4-FFF2-40B4-BE49-F238E27FC236}">
+                <a16:creationId xmlns:a16="http://schemas.microsoft.com/office/drawing/2014/main" id="{84235AE8-66B7-4817-88C1-FB8D0E35739C}"/>
               </a:ext>
             </a:extLst>
           </p:cNvPr>
@@ -38637,8 +39091,8 @@
         </p:nvSpPr>
         <p:spPr>
           <a:xfrm>
-            <a:off x="2256649" y="3407315"/>
-            <a:ext cx="1659429" cy="507831"/>
+            <a:off x="3987846" y="2424977"/>
+            <a:ext cx="521609" cy="169277"/>
           </a:xfrm>
           <a:prstGeom prst="rect">
             <a:avLst/>
@@ -38646,47 +39100,179 @@
           <a:noFill/>
         </p:spPr>
         <p:txBody>
-          <a:bodyPr wrap="none" rtlCol="0">
+          <a:bodyPr wrap="square" lIns="0" tIns="0" rIns="0" bIns="0" rtlCol="0" anchor="ctr" anchorCtr="0">
             <a:spAutoFit/>
           </a:bodyPr>
           <a:lstStyle/>
           <a:p>
+            <a:pPr algn="ctr"/>
             <a:r>
-              <a:rPr lang="en-US" altLang="zh-CN" sz="900">
+              <a:rPr lang="en-US" altLang="zh-CN" sz="1100" b="1">
                 <a:latin typeface="Consolas" panose="020B0609020204030204" pitchFamily="49" charset="0"/>
                 <a:cs typeface="Consolas" panose="020B0609020204030204" pitchFamily="49" charset="0"/>
               </a:rPr>
-              <a:t>CLOCK     = 10000000 Hz</a:t>
+              <a:t>URAT0</a:t>
             </a:r>
           </a:p>
+        </p:txBody>
+      </p:sp>
+      <p:sp>
+        <p:nvSpPr>
+          <p:cNvPr id="21" name="矩形 20">
+            <a:extLst>
+              <a:ext uri="{FF2B5EF4-FFF2-40B4-BE49-F238E27FC236}">
+                <a16:creationId xmlns:a16="http://schemas.microsoft.com/office/drawing/2014/main" id="{86A1C89D-E9C6-4884-8D2C-1D828D2F0DB8}"/>
+              </a:ext>
+            </a:extLst>
+          </p:cNvPr>
+          <p:cNvSpPr/>
+          <p:nvPr/>
+        </p:nvSpPr>
+        <p:spPr>
+          <a:xfrm>
+            <a:off x="3239248" y="2265939"/>
+            <a:ext cx="5440212" cy="447675"/>
+          </a:xfrm>
+          <a:prstGeom prst="rect">
+            <a:avLst/>
+          </a:prstGeom>
+          <a:noFill/>
+          <a:ln>
+            <a:noFill/>
+          </a:ln>
+        </p:spPr>
+        <p:style>
+          <a:lnRef idx="2">
+            <a:schemeClr val="accent1">
+              <a:shade val="50000"/>
+            </a:schemeClr>
+          </a:lnRef>
+          <a:fillRef idx="1">
+            <a:schemeClr val="accent1"/>
+          </a:fillRef>
+          <a:effectRef idx="0">
+            <a:schemeClr val="accent1"/>
+          </a:effectRef>
+          <a:fontRef idx="minor">
+            <a:schemeClr val="lt1"/>
+          </a:fontRef>
+        </p:style>
+        <p:txBody>
+          <a:bodyPr rtlCol="0" anchor="ctr"/>
+          <a:lstStyle/>
           <a:p>
+            <a:pPr algn="ctr"/>
+            <a:endParaRPr lang="zh-CN" altLang="en-US">
+              <a:solidFill>
+                <a:schemeClr val="tx1"/>
+              </a:solidFill>
+            </a:endParaRPr>
+          </a:p>
+        </p:txBody>
+      </p:sp>
+      <p:sp>
+        <p:nvSpPr>
+          <p:cNvPr id="22" name="文本框 21">
+            <a:extLst>
+              <a:ext uri="{FF2B5EF4-FFF2-40B4-BE49-F238E27FC236}">
+                <a16:creationId xmlns:a16="http://schemas.microsoft.com/office/drawing/2014/main" id="{55FB1E53-8DBA-4A53-A613-C5069B1FC5BD}"/>
+              </a:ext>
+            </a:extLst>
+          </p:cNvPr>
+          <p:cNvSpPr txBox="1"/>
+          <p:nvPr/>
+        </p:nvSpPr>
+        <p:spPr>
+          <a:xfrm>
+            <a:off x="7323660" y="2424977"/>
+            <a:ext cx="521609" cy="169277"/>
+          </a:xfrm>
+          <a:prstGeom prst="rect">
+            <a:avLst/>
+          </a:prstGeom>
+          <a:noFill/>
+        </p:spPr>
+        <p:txBody>
+          <a:bodyPr wrap="square" lIns="0" tIns="0" rIns="0" bIns="0" rtlCol="0" anchor="ctr" anchorCtr="0">
+            <a:spAutoFit/>
+          </a:bodyPr>
+          <a:lstStyle/>
+          <a:p>
+            <a:pPr algn="ctr"/>
             <a:r>
-              <a:rPr lang="en-US" altLang="zh-CN" sz="900">
+              <a:rPr lang="en-US" altLang="zh-CN" sz="1100" b="1">
                 <a:latin typeface="Consolas" panose="020B0609020204030204" pitchFamily="49" charset="0"/>
                 <a:cs typeface="Consolas" panose="020B0609020204030204" pitchFamily="49" charset="0"/>
               </a:rPr>
-              <a:t>BAUDRAET  = 9600 b/s</a:t>
+              <a:t>URAT1</a:t>
             </a:r>
-          </a:p>
-          <a:p>
-            <a:r>
-              <a:rPr lang="en-US" altLang="zh-CN" sz="900">
-                <a:latin typeface="Consolas" panose="020B0609020204030204" pitchFamily="49" charset="0"/>
-                <a:cs typeface="Consolas" panose="020B0609020204030204" pitchFamily="49" charset="0"/>
-              </a:rPr>
-              <a:t>cycle     = 1042 Hz/b</a:t>
-            </a:r>
-            <a:endParaRPr lang="zh-CN" altLang="en-US" sz="900">
-              <a:latin typeface="Consolas" panose="020B0609020204030204" pitchFamily="49" charset="0"/>
-              <a:cs typeface="Consolas" panose="020B0609020204030204" pitchFamily="49" charset="0"/>
-            </a:endParaRPr>
           </a:p>
         </p:txBody>
       </p:sp>
     </p:spTree>
     <p:extLst>
       <p:ext uri="{BB962C8B-B14F-4D97-AF65-F5344CB8AC3E}">
-        <p14:creationId xmlns:p14="http://schemas.microsoft.com/office/powerpoint/2010/main" val="1556379450"/>
+        <p14:creationId xmlns:p14="http://schemas.microsoft.com/office/powerpoint/2010/main" val="1951547398"/>
+      </p:ext>
+    </p:extLst>
+  </p:cSld>
+  <p:clrMapOvr>
+    <a:masterClrMapping/>
+  </p:clrMapOvr>
+</p:sld>
+</file>
+
+<file path=ppt/slides/slide7.xml><?xml version="1.0" encoding="utf-8"?>
+<p:sld xmlns:a="http://schemas.openxmlformats.org/drawingml/2006/main" xmlns:r="http://schemas.openxmlformats.org/officeDocument/2006/relationships" xmlns:p="http://schemas.openxmlformats.org/presentationml/2006/main">
+  <p:cSld>
+    <p:spTree>
+      <p:nvGrpSpPr>
+        <p:cNvPr id="1" name=""/>
+        <p:cNvGrpSpPr/>
+        <p:nvPr/>
+      </p:nvGrpSpPr>
+      <p:grpSpPr>
+        <a:xfrm>
+          <a:off x="0" y="0"/>
+          <a:ext cx="0" cy="0"/>
+          <a:chOff x="0" y="0"/>
+          <a:chExt cx="0" cy="0"/>
+        </a:xfrm>
+      </p:grpSpPr>
+      <p:pic>
+        <p:nvPicPr>
+          <p:cNvPr id="4" name="图片 3">
+            <a:extLst>
+              <a:ext uri="{FF2B5EF4-FFF2-40B4-BE49-F238E27FC236}">
+                <a16:creationId xmlns:a16="http://schemas.microsoft.com/office/drawing/2014/main" id="{143233A6-FDCB-4ADB-BA76-8664C45D7325}"/>
+              </a:ext>
+            </a:extLst>
+          </p:cNvPr>
+          <p:cNvPicPr>
+            <a:picLocks noChangeAspect="1"/>
+          </p:cNvPicPr>
+          <p:nvPr/>
+        </p:nvPicPr>
+        <p:blipFill>
+          <a:blip r:embed="rId2"/>
+          <a:stretch>
+            <a:fillRect/>
+          </a:stretch>
+        </p:blipFill>
+        <p:spPr>
+          <a:xfrm>
+            <a:off x="948381" y="728959"/>
+            <a:ext cx="10295238" cy="4752381"/>
+          </a:xfrm>
+          <a:prstGeom prst="rect">
+            <a:avLst/>
+          </a:prstGeom>
+        </p:spPr>
+      </p:pic>
+    </p:spTree>
+    <p:extLst>
+      <p:ext uri="{BB962C8B-B14F-4D97-AF65-F5344CB8AC3E}">
+        <p14:creationId xmlns:p14="http://schemas.microsoft.com/office/powerpoint/2010/main" val="2719535703"/>
       </p:ext>
     </p:extLst>
   </p:cSld>
